--- a/Manuscript/Figure Task Design.pptx
+++ b/Manuscript/Figure Task Design.pptx
@@ -197,7 +197,7 @@
           <a:p>
             <a:fld id="{8EB9F7A7-5E72-4F39-90A9-B311242E3BA3}" type="datetimeFigureOut">
               <a:rPr lang="en-CA" smtClean="0"/>
-              <a:t>2025-05-30</a:t>
+              <a:t>2025-06-02</a:t>
             </a:fld>
             <a:endParaRPr lang="en-CA"/>
           </a:p>
@@ -698,7 +698,7 @@
           <a:p>
             <a:fld id="{6E2E0A4B-86D5-4E06-AEBC-D77CD6B99011}" type="datetimeFigureOut">
               <a:rPr lang="en-CA" smtClean="0"/>
-              <a:t>2025-05-30</a:t>
+              <a:t>2025-06-02</a:t>
             </a:fld>
             <a:endParaRPr lang="en-CA"/>
           </a:p>
@@ -898,7 +898,7 @@
           <a:p>
             <a:fld id="{6E2E0A4B-86D5-4E06-AEBC-D77CD6B99011}" type="datetimeFigureOut">
               <a:rPr lang="en-CA" smtClean="0"/>
-              <a:t>2025-05-30</a:t>
+              <a:t>2025-06-02</a:t>
             </a:fld>
             <a:endParaRPr lang="en-CA"/>
           </a:p>
@@ -1108,7 +1108,7 @@
           <a:p>
             <a:fld id="{6E2E0A4B-86D5-4E06-AEBC-D77CD6B99011}" type="datetimeFigureOut">
               <a:rPr lang="en-CA" smtClean="0"/>
-              <a:t>2025-05-30</a:t>
+              <a:t>2025-06-02</a:t>
             </a:fld>
             <a:endParaRPr lang="en-CA"/>
           </a:p>
@@ -1308,7 +1308,7 @@
           <a:p>
             <a:fld id="{6E2E0A4B-86D5-4E06-AEBC-D77CD6B99011}" type="datetimeFigureOut">
               <a:rPr lang="en-CA" smtClean="0"/>
-              <a:t>2025-05-30</a:t>
+              <a:t>2025-06-02</a:t>
             </a:fld>
             <a:endParaRPr lang="en-CA"/>
           </a:p>
@@ -1584,7 +1584,7 @@
           <a:p>
             <a:fld id="{6E2E0A4B-86D5-4E06-AEBC-D77CD6B99011}" type="datetimeFigureOut">
               <a:rPr lang="en-CA" smtClean="0"/>
-              <a:t>2025-05-30</a:t>
+              <a:t>2025-06-02</a:t>
             </a:fld>
             <a:endParaRPr lang="en-CA"/>
           </a:p>
@@ -1852,7 +1852,7 @@
           <a:p>
             <a:fld id="{6E2E0A4B-86D5-4E06-AEBC-D77CD6B99011}" type="datetimeFigureOut">
               <a:rPr lang="en-CA" smtClean="0"/>
-              <a:t>2025-05-30</a:t>
+              <a:t>2025-06-02</a:t>
             </a:fld>
             <a:endParaRPr lang="en-CA"/>
           </a:p>
@@ -2267,7 +2267,7 @@
           <a:p>
             <a:fld id="{6E2E0A4B-86D5-4E06-AEBC-D77CD6B99011}" type="datetimeFigureOut">
               <a:rPr lang="en-CA" smtClean="0"/>
-              <a:t>2025-05-30</a:t>
+              <a:t>2025-06-02</a:t>
             </a:fld>
             <a:endParaRPr lang="en-CA"/>
           </a:p>
@@ -2409,7 +2409,7 @@
           <a:p>
             <a:fld id="{6E2E0A4B-86D5-4E06-AEBC-D77CD6B99011}" type="datetimeFigureOut">
               <a:rPr lang="en-CA" smtClean="0"/>
-              <a:t>2025-05-30</a:t>
+              <a:t>2025-06-02</a:t>
             </a:fld>
             <a:endParaRPr lang="en-CA"/>
           </a:p>
@@ -2522,7 +2522,7 @@
           <a:p>
             <a:fld id="{6E2E0A4B-86D5-4E06-AEBC-D77CD6B99011}" type="datetimeFigureOut">
               <a:rPr lang="en-CA" smtClean="0"/>
-              <a:t>2025-05-30</a:t>
+              <a:t>2025-06-02</a:t>
             </a:fld>
             <a:endParaRPr lang="en-CA"/>
           </a:p>
@@ -2835,7 +2835,7 @@
           <a:p>
             <a:fld id="{6E2E0A4B-86D5-4E06-AEBC-D77CD6B99011}" type="datetimeFigureOut">
               <a:rPr lang="en-CA" smtClean="0"/>
-              <a:t>2025-05-30</a:t>
+              <a:t>2025-06-02</a:t>
             </a:fld>
             <a:endParaRPr lang="en-CA"/>
           </a:p>
@@ -3124,7 +3124,7 @@
           <a:p>
             <a:fld id="{6E2E0A4B-86D5-4E06-AEBC-D77CD6B99011}" type="datetimeFigureOut">
               <a:rPr lang="en-CA" smtClean="0"/>
-              <a:t>2025-05-30</a:t>
+              <a:t>2025-06-02</a:t>
             </a:fld>
             <a:endParaRPr lang="en-CA"/>
           </a:p>
@@ -3367,7 +3367,7 @@
           <a:p>
             <a:fld id="{6E2E0A4B-86D5-4E06-AEBC-D77CD6B99011}" type="datetimeFigureOut">
               <a:rPr lang="en-CA" smtClean="0"/>
-              <a:t>2025-05-30</a:t>
+              <a:t>2025-06-02</a:t>
             </a:fld>
             <a:endParaRPr lang="en-CA"/>
           </a:p>
@@ -3798,10 +3798,10 @@
         </p:nvGrpSpPr>
         <p:grpSpPr>
           <a:xfrm>
-            <a:off x="273411" y="479224"/>
-            <a:ext cx="6815086" cy="5670652"/>
-            <a:chOff x="579055" y="304135"/>
-            <a:chExt cx="6815086" cy="5670652"/>
+            <a:off x="177964" y="479224"/>
+            <a:ext cx="6910533" cy="5670652"/>
+            <a:chOff x="483608" y="304135"/>
+            <a:chExt cx="6910533" cy="5670652"/>
           </a:xfrm>
         </p:grpSpPr>
         <p:sp>
@@ -3818,8 +3818,8 @@
           </p:nvSpPr>
           <p:spPr>
             <a:xfrm>
-              <a:off x="581298" y="611792"/>
-              <a:ext cx="6812843" cy="3933144"/>
+              <a:off x="483608" y="611792"/>
+              <a:ext cx="6910533" cy="3933144"/>
             </a:xfrm>
             <a:prstGeom prst="roundRect">
               <a:avLst>
@@ -11439,12 +11439,248 @@
           </p:txBody>
         </p:sp>
       </p:grpSp>
+      <p:sp>
+        <p:nvSpPr>
+          <p:cNvPr id="17" name="Rechteck 21">
+            <a:extLst>
+              <a:ext uri="{FF2B5EF4-FFF2-40B4-BE49-F238E27FC236}">
+                <a16:creationId xmlns:a16="http://schemas.microsoft.com/office/drawing/2014/main" id="{FC540BDC-92A8-51C4-C837-A9C7ED3553F5}"/>
+              </a:ext>
+            </a:extLst>
+          </p:cNvPr>
+          <p:cNvSpPr/>
+          <p:nvPr/>
+        </p:nvSpPr>
+        <p:spPr>
+          <a:xfrm>
+            <a:off x="7548367" y="1818520"/>
+            <a:ext cx="826269" cy="854518"/>
+          </a:xfrm>
+          <a:prstGeom prst="rect">
+            <a:avLst/>
+          </a:prstGeom>
+          <a:solidFill>
+            <a:schemeClr val="bg1"/>
+          </a:solidFill>
+          <a:ln w="25400">
+            <a:solidFill>
+              <a:srgbClr val="8CD3C7"/>
+            </a:solidFill>
+          </a:ln>
+        </p:spPr>
+        <p:style>
+          <a:lnRef idx="2">
+            <a:schemeClr val="accent1">
+              <a:shade val="15000"/>
+            </a:schemeClr>
+          </a:lnRef>
+          <a:fillRef idx="1">
+            <a:schemeClr val="accent1"/>
+          </a:fillRef>
+          <a:effectRef idx="0">
+            <a:schemeClr val="accent1"/>
+          </a:effectRef>
+          <a:fontRef idx="minor">
+            <a:schemeClr val="lt1"/>
+          </a:fontRef>
+        </p:style>
+        <p:txBody>
+          <a:bodyPr rtlCol="0" anchor="ctr"/>
+          <a:lstStyle/>
+          <a:p>
+            <a:pPr algn="ctr"/>
+            <a:endParaRPr lang="de-US" sz="1200" b="1" dirty="0">
+              <a:solidFill>
+                <a:srgbClr val="455058"/>
+              </a:solidFill>
+              <a:latin typeface="Helvetica" pitchFamily="2" charset="0"/>
+            </a:endParaRPr>
+          </a:p>
+        </p:txBody>
+      </p:sp>
+      <p:sp>
+        <p:nvSpPr>
+          <p:cNvPr id="29" name="Rechteck 26">
+            <a:extLst>
+              <a:ext uri="{FF2B5EF4-FFF2-40B4-BE49-F238E27FC236}">
+                <a16:creationId xmlns:a16="http://schemas.microsoft.com/office/drawing/2014/main" id="{4CE24926-4F66-1905-C7C3-5F090A5A46A0}"/>
+              </a:ext>
+            </a:extLst>
+          </p:cNvPr>
+          <p:cNvSpPr/>
+          <p:nvPr/>
+        </p:nvSpPr>
+        <p:spPr>
+          <a:xfrm>
+            <a:off x="7545968" y="2842260"/>
+            <a:ext cx="826270" cy="854521"/>
+          </a:xfrm>
+          <a:prstGeom prst="rect">
+            <a:avLst/>
+          </a:prstGeom>
+          <a:solidFill>
+            <a:schemeClr val="bg1"/>
+          </a:solidFill>
+          <a:ln w="25400">
+            <a:solidFill>
+              <a:srgbClr val="8CD3C7"/>
+            </a:solidFill>
+          </a:ln>
+        </p:spPr>
+        <p:style>
+          <a:lnRef idx="2">
+            <a:schemeClr val="accent1">
+              <a:shade val="15000"/>
+            </a:schemeClr>
+          </a:lnRef>
+          <a:fillRef idx="1">
+            <a:schemeClr val="accent1"/>
+          </a:fillRef>
+          <a:effectRef idx="0">
+            <a:schemeClr val="accent1"/>
+          </a:effectRef>
+          <a:fontRef idx="minor">
+            <a:schemeClr val="lt1"/>
+          </a:fontRef>
+        </p:style>
+        <p:txBody>
+          <a:bodyPr rtlCol="0" anchor="ctr"/>
+          <a:lstStyle/>
+          <a:p>
+            <a:pPr algn="ctr"/>
+            <a:endParaRPr lang="de-US" sz="2800" b="1" dirty="0">
+              <a:solidFill>
+                <a:srgbClr val="455058"/>
+              </a:solidFill>
+              <a:latin typeface="Helvetica" pitchFamily="2" charset="0"/>
+            </a:endParaRPr>
+          </a:p>
+        </p:txBody>
+      </p:sp>
+      <p:sp>
+        <p:nvSpPr>
+          <p:cNvPr id="42" name="Rechteck 29">
+            <a:extLst>
+              <a:ext uri="{FF2B5EF4-FFF2-40B4-BE49-F238E27FC236}">
+                <a16:creationId xmlns:a16="http://schemas.microsoft.com/office/drawing/2014/main" id="{C61DBF62-69F1-D358-C3EE-ECCBFEEF1E83}"/>
+              </a:ext>
+            </a:extLst>
+          </p:cNvPr>
+          <p:cNvSpPr/>
+          <p:nvPr/>
+        </p:nvSpPr>
+        <p:spPr>
+          <a:xfrm>
+            <a:off x="7552236" y="3890193"/>
+            <a:ext cx="826269" cy="854518"/>
+          </a:xfrm>
+          <a:prstGeom prst="rect">
+            <a:avLst/>
+          </a:prstGeom>
+          <a:solidFill>
+            <a:schemeClr val="bg1"/>
+          </a:solidFill>
+          <a:ln w="25400">
+            <a:solidFill>
+              <a:srgbClr val="FC8072"/>
+            </a:solidFill>
+          </a:ln>
+        </p:spPr>
+        <p:style>
+          <a:lnRef idx="2">
+            <a:schemeClr val="accent1">
+              <a:shade val="15000"/>
+            </a:schemeClr>
+          </a:lnRef>
+          <a:fillRef idx="1">
+            <a:schemeClr val="accent1"/>
+          </a:fillRef>
+          <a:effectRef idx="0">
+            <a:schemeClr val="accent1"/>
+          </a:effectRef>
+          <a:fontRef idx="minor">
+            <a:schemeClr val="lt1"/>
+          </a:fontRef>
+        </p:style>
+        <p:txBody>
+          <a:bodyPr rtlCol="0" anchor="ctr"/>
+          <a:lstStyle/>
+          <a:p>
+            <a:pPr algn="ctr"/>
+            <a:endParaRPr lang="de-US" sz="2400" b="1" dirty="0">
+              <a:solidFill>
+                <a:srgbClr val="455058"/>
+              </a:solidFill>
+              <a:latin typeface="Helvetica" pitchFamily="2" charset="0"/>
+            </a:endParaRPr>
+          </a:p>
+        </p:txBody>
+      </p:sp>
+      <p:sp>
+        <p:nvSpPr>
+          <p:cNvPr id="57" name="Rechteck 32">
+            <a:extLst>
+              <a:ext uri="{FF2B5EF4-FFF2-40B4-BE49-F238E27FC236}">
+                <a16:creationId xmlns:a16="http://schemas.microsoft.com/office/drawing/2014/main" id="{6695C8C2-8950-86E2-7B5E-63252DA29D99}"/>
+              </a:ext>
+            </a:extLst>
+          </p:cNvPr>
+          <p:cNvSpPr/>
+          <p:nvPr/>
+        </p:nvSpPr>
+        <p:spPr>
+          <a:xfrm>
+            <a:off x="7552689" y="4912741"/>
+            <a:ext cx="826269" cy="854521"/>
+          </a:xfrm>
+          <a:prstGeom prst="rect">
+            <a:avLst/>
+          </a:prstGeom>
+          <a:solidFill>
+            <a:schemeClr val="bg1"/>
+          </a:solidFill>
+          <a:ln w="25400">
+            <a:solidFill>
+              <a:srgbClr val="FC8072"/>
+            </a:solidFill>
+          </a:ln>
+        </p:spPr>
+        <p:style>
+          <a:lnRef idx="2">
+            <a:schemeClr val="accent1">
+              <a:shade val="15000"/>
+            </a:schemeClr>
+          </a:lnRef>
+          <a:fillRef idx="1">
+            <a:schemeClr val="accent1"/>
+          </a:fillRef>
+          <a:effectRef idx="0">
+            <a:schemeClr val="accent1"/>
+          </a:effectRef>
+          <a:fontRef idx="minor">
+            <a:schemeClr val="lt1"/>
+          </a:fontRef>
+        </p:style>
+        <p:txBody>
+          <a:bodyPr rtlCol="0" anchor="ctr"/>
+          <a:lstStyle/>
+          <a:p>
+            <a:pPr algn="ctr"/>
+            <a:endParaRPr lang="de-US" sz="2400" b="1" dirty="0">
+              <a:solidFill>
+                <a:srgbClr val="455058"/>
+              </a:solidFill>
+              <a:latin typeface="Helvetica" pitchFamily="2" charset="0"/>
+            </a:endParaRPr>
+          </a:p>
+        </p:txBody>
+      </p:sp>
       <p:grpSp>
         <p:nvGrpSpPr>
-          <p:cNvPr id="1113" name="Group 1112">
+          <p:cNvPr id="127" name="Group 126">
             <a:extLst>
               <a:ext uri="{FF2B5EF4-FFF2-40B4-BE49-F238E27FC236}">
-                <a16:creationId xmlns:a16="http://schemas.microsoft.com/office/drawing/2014/main" id="{A3E73CC5-ED9A-56ED-5EE3-455131FCBB0E}"/>
+                <a16:creationId xmlns:a16="http://schemas.microsoft.com/office/drawing/2014/main" id="{32309F14-D340-B4D1-877A-637A273D3BE3}"/>
               </a:ext>
             </a:extLst>
           </p:cNvPr>
@@ -11453,18 +11689,99 @@
         </p:nvGrpSpPr>
         <p:grpSpPr>
           <a:xfrm>
-            <a:off x="7545968" y="708124"/>
-            <a:ext cx="4597442" cy="5150288"/>
-            <a:chOff x="7902196" y="1347892"/>
-            <a:chExt cx="3780461" cy="4235064"/>
+            <a:off x="8043483" y="708124"/>
+            <a:ext cx="2784082" cy="5150288"/>
+            <a:chOff x="8976514" y="2844524"/>
+            <a:chExt cx="1947277" cy="3602279"/>
           </a:xfrm>
         </p:grpSpPr>
+        <p:sp>
+          <p:nvSpPr>
+            <p:cNvPr id="13" name="Title 1">
+              <a:extLst>
+                <a:ext uri="{FF2B5EF4-FFF2-40B4-BE49-F238E27FC236}">
+                  <a16:creationId xmlns:a16="http://schemas.microsoft.com/office/drawing/2014/main" id="{B8A6ECBA-0BFA-8371-7EC5-2FD100C1ACC2}"/>
+                </a:ext>
+              </a:extLst>
+            </p:cNvPr>
+            <p:cNvSpPr txBox="1">
+              <a:spLocks/>
+            </p:cNvSpPr>
+            <p:nvPr/>
+          </p:nvSpPr>
+          <p:spPr>
+            <a:xfrm>
+              <a:off x="8976514" y="2844524"/>
+              <a:ext cx="1947277" cy="952277"/>
+            </a:xfrm>
+            <a:prstGeom prst="rect">
+              <a:avLst/>
+            </a:prstGeom>
+            <a:noFill/>
+          </p:spPr>
+          <p:txBody>
+            <a:bodyPr vert="horz" lIns="91440" tIns="45720" rIns="91440" bIns="45720" rtlCol="0" anchor="ctr">
+              <a:normAutofit/>
+            </a:bodyPr>
+            <a:lstStyle>
+              <a:lvl1pPr algn="l" defTabSz="914400" rtl="0" eaLnBrk="1" latinLnBrk="0" hangingPunct="1">
+                <a:lnSpc>
+                  <a:spcPct val="90000"/>
+                </a:lnSpc>
+                <a:spcBef>
+                  <a:spcPct val="0"/>
+                </a:spcBef>
+                <a:buNone/>
+                <a:defRPr sz="4400" kern="1200">
+                  <a:solidFill>
+                    <a:schemeClr val="tx1"/>
+                  </a:solidFill>
+                  <a:latin typeface="+mj-lt"/>
+                  <a:ea typeface="+mj-ea"/>
+                  <a:cs typeface="+mj-cs"/>
+                </a:defRPr>
+              </a:lvl1pPr>
+            </a:lstStyle>
+            <a:p>
+              <a:pPr algn="ctr"/>
+              <a:r>
+                <a:rPr lang="en-US" sz="2000" b="1" dirty="0">
+                  <a:solidFill>
+                    <a:schemeClr val="bg2">
+                      <a:lumMod val="25000"/>
+                    </a:schemeClr>
+                  </a:solidFill>
+                  <a:latin typeface="Helvetica" pitchFamily="2" charset="0"/>
+                  <a:ea typeface="Circular Book" panose="02000503000000020003" pitchFamily="2" charset="77"/>
+                  <a:cs typeface="Futura Medium" panose="020B0602020204020303" pitchFamily="34" charset="-79"/>
+                </a:rPr>
+                <a:t>Objective</a:t>
+              </a:r>
+            </a:p>
+            <a:p>
+              <a:pPr algn="ctr"/>
+              <a:r>
+                <a:rPr lang="en-US" sz="2000" b="1" dirty="0">
+                  <a:solidFill>
+                    <a:schemeClr val="bg2">
+                      <a:lumMod val="25000"/>
+                    </a:schemeClr>
+                  </a:solidFill>
+                  <a:latin typeface="Helvetica" pitchFamily="2" charset="0"/>
+                  <a:ea typeface="Circular Book" panose="02000503000000020003" pitchFamily="2" charset="77"/>
+                  <a:cs typeface="Futura Medium" panose="020B0602020204020303" pitchFamily="34" charset="-79"/>
+                </a:rPr>
+                <a:t>Value</a:t>
+              </a:r>
+            </a:p>
+          </p:txBody>
+        </p:sp>
         <p:grpSp>
           <p:nvGrpSpPr>
-            <p:cNvPr id="114" name="Group 113">
+            <p:cNvPr id="126" name="Group 125">
               <a:extLst>
                 <a:ext uri="{FF2B5EF4-FFF2-40B4-BE49-F238E27FC236}">
-                  <a16:creationId xmlns:a16="http://schemas.microsoft.com/office/drawing/2014/main" id="{E415B950-E3D7-BA45-D9C9-534A5FF0AEAA}"/>
+                  <a16:creationId xmlns:a16="http://schemas.microsoft.com/office/drawing/2014/main" id="{8F7E82FA-C758-847F-FC92-4D94264D7C33}"/>
                 </a:ext>
               </a:extLst>
             </p:cNvPr>
@@ -11473,18 +11790,18 @@
           </p:nvGrpSpPr>
           <p:grpSpPr>
             <a:xfrm>
-              <a:off x="7902196" y="2260967"/>
-              <a:ext cx="684965" cy="3247037"/>
-              <a:chOff x="10188402" y="3616595"/>
-              <a:chExt cx="582620" cy="2761879"/>
+              <a:off x="9490784" y="3542688"/>
+              <a:ext cx="850680" cy="2904115"/>
+              <a:chOff x="9490784" y="3542688"/>
+              <a:chExt cx="850680" cy="2904115"/>
             </a:xfrm>
           </p:grpSpPr>
           <p:sp>
             <p:nvSpPr>
-              <p:cNvPr id="17" name="Rechteck 21">
+              <p:cNvPr id="108" name="Rectangle 176">
                 <a:extLst>
                   <a:ext uri="{FF2B5EF4-FFF2-40B4-BE49-F238E27FC236}">
-                    <a16:creationId xmlns:a16="http://schemas.microsoft.com/office/drawing/2014/main" id="{FC540BDC-92A8-51C4-C837-A9C7ED3553F5}"/>
+                    <a16:creationId xmlns:a16="http://schemas.microsoft.com/office/drawing/2014/main" id="{67DD630F-A7F2-E9D4-1092-14C7FF821CA4}"/>
                   </a:ext>
                 </a:extLst>
               </p:cNvPr>
@@ -11493,19 +11810,36 @@
             </p:nvSpPr>
             <p:spPr>
               <a:xfrm>
-                <a:off x="10190080" y="3616595"/>
-                <a:ext cx="577919" cy="597678"/>
+                <a:off x="9501370" y="3542688"/>
+                <a:ext cx="840094" cy="2904115"/>
               </a:xfrm>
               <a:prstGeom prst="rect">
                 <a:avLst/>
               </a:prstGeom>
-              <a:solidFill>
-                <a:schemeClr val="bg1"/>
-              </a:solidFill>
-              <a:ln w="25400">
-                <a:solidFill>
-                  <a:srgbClr val="8CD3C7"/>
-                </a:solidFill>
+              <a:gradFill flip="none" rotWithShape="1">
+                <a:gsLst>
+                  <a:gs pos="0">
+                    <a:srgbClr val="8CD3C7">
+                      <a:alpha val="80000"/>
+                    </a:srgbClr>
+                  </a:gs>
+                  <a:gs pos="53000">
+                    <a:srgbClr val="FFFFFF"/>
+                  </a:gs>
+                  <a:gs pos="47000">
+                    <a:srgbClr val="FFFFFF"/>
+                  </a:gs>
+                  <a:gs pos="100000">
+                    <a:srgbClr val="FA8274">
+                      <a:alpha val="80000"/>
+                    </a:srgbClr>
+                  </a:gs>
+                </a:gsLst>
+                <a:lin ang="5400000" scaled="1"/>
+                <a:tileRect/>
+              </a:gradFill>
+              <a:ln>
+                <a:noFill/>
               </a:ln>
             </p:spPr>
             <p:style>
@@ -11529,336 +11863,16 @@
               <a:lstStyle/>
               <a:p>
                 <a:pPr algn="ctr"/>
-                <a:r>
-                  <a:rPr lang="en-US" sz="2400" b="1" dirty="0">
-                    <a:solidFill>
-                      <a:srgbClr val="455058"/>
-                    </a:solidFill>
-                    <a:latin typeface="Helvetica" pitchFamily="2" charset="0"/>
-                  </a:rPr>
-                  <a:t>HR</a:t>
-                </a:r>
-                <a:endParaRPr lang="de-US" sz="2400" b="1" dirty="0">
-                  <a:solidFill>
-                    <a:srgbClr val="455058"/>
-                  </a:solidFill>
-                  <a:latin typeface="Helvetica" pitchFamily="2" charset="0"/>
-                </a:endParaRPr>
-              </a:p>
-            </p:txBody>
-          </p:sp>
-          <p:sp>
-            <p:nvSpPr>
-              <p:cNvPr id="29" name="Rechteck 26">
-                <a:extLst>
-                  <a:ext uri="{FF2B5EF4-FFF2-40B4-BE49-F238E27FC236}">
-                    <a16:creationId xmlns:a16="http://schemas.microsoft.com/office/drawing/2014/main" id="{4CE24926-4F66-1905-C7C3-5F090A5A46A0}"/>
-                  </a:ext>
-                </a:extLst>
-              </p:cNvPr>
-              <p:cNvSpPr/>
-              <p:nvPr/>
-            </p:nvSpPr>
-            <p:spPr>
-              <a:xfrm>
-                <a:off x="10188402" y="4332632"/>
-                <a:ext cx="577920" cy="597680"/>
-              </a:xfrm>
-              <a:prstGeom prst="rect">
-                <a:avLst/>
-              </a:prstGeom>
-              <a:solidFill>
-                <a:schemeClr val="bg1"/>
-              </a:solidFill>
-              <a:ln w="25400">
-                <a:solidFill>
-                  <a:srgbClr val="8CD3C7"/>
-                </a:solidFill>
-              </a:ln>
-            </p:spPr>
-            <p:style>
-              <a:lnRef idx="2">
-                <a:schemeClr val="accent1">
-                  <a:shade val="15000"/>
-                </a:schemeClr>
-              </a:lnRef>
-              <a:fillRef idx="1">
-                <a:schemeClr val="accent1"/>
-              </a:fillRef>
-              <a:effectRef idx="0">
-                <a:schemeClr val="accent1"/>
-              </a:effectRef>
-              <a:fontRef idx="minor">
-                <a:schemeClr val="lt1"/>
-              </a:fontRef>
-            </p:style>
-            <p:txBody>
-              <a:bodyPr rtlCol="0" anchor="ctr"/>
-              <a:lstStyle/>
-              <a:p>
-                <a:pPr algn="ctr"/>
-                <a:r>
-                  <a:rPr lang="en-US" sz="2400" b="1" dirty="0">
-                    <a:solidFill>
-                      <a:srgbClr val="455058"/>
-                    </a:solidFill>
-                    <a:latin typeface="Helvetica" pitchFamily="2" charset="0"/>
-                  </a:rPr>
-                  <a:t>LR</a:t>
-                </a:r>
-                <a:endParaRPr lang="de-US" sz="2800" b="1" dirty="0">
-                  <a:solidFill>
-                    <a:srgbClr val="455058"/>
-                  </a:solidFill>
-                  <a:latin typeface="Helvetica" pitchFamily="2" charset="0"/>
-                </a:endParaRPr>
-              </a:p>
-            </p:txBody>
-          </p:sp>
-          <p:sp>
-            <p:nvSpPr>
-              <p:cNvPr id="42" name="Rechteck 29">
-                <a:extLst>
-                  <a:ext uri="{FF2B5EF4-FFF2-40B4-BE49-F238E27FC236}">
-                    <a16:creationId xmlns:a16="http://schemas.microsoft.com/office/drawing/2014/main" id="{C61DBF62-69F1-D358-C3EE-ECCBFEEF1E83}"/>
-                  </a:ext>
-                </a:extLst>
-              </p:cNvPr>
-              <p:cNvSpPr/>
-              <p:nvPr/>
-            </p:nvSpPr>
-            <p:spPr>
-              <a:xfrm>
-                <a:off x="10192786" y="5065591"/>
-                <a:ext cx="577919" cy="597678"/>
-              </a:xfrm>
-              <a:prstGeom prst="rect">
-                <a:avLst/>
-              </a:prstGeom>
-              <a:solidFill>
-                <a:schemeClr val="bg1"/>
-              </a:solidFill>
-              <a:ln w="25400">
-                <a:solidFill>
-                  <a:srgbClr val="FC8072"/>
-                </a:solidFill>
-              </a:ln>
-            </p:spPr>
-            <p:style>
-              <a:lnRef idx="2">
-                <a:schemeClr val="accent1">
-                  <a:shade val="15000"/>
-                </a:schemeClr>
-              </a:lnRef>
-              <a:fillRef idx="1">
-                <a:schemeClr val="accent1"/>
-              </a:fillRef>
-              <a:effectRef idx="0">
-                <a:schemeClr val="accent1"/>
-              </a:effectRef>
-              <a:fontRef idx="minor">
-                <a:schemeClr val="lt1"/>
-              </a:fontRef>
-            </p:style>
-            <p:txBody>
-              <a:bodyPr rtlCol="0" anchor="ctr"/>
-              <a:lstStyle/>
-              <a:p>
-                <a:pPr algn="ctr"/>
-                <a:r>
-                  <a:rPr lang="en-US" sz="2400" b="1" dirty="0">
-                    <a:solidFill>
-                      <a:srgbClr val="455058"/>
-                    </a:solidFill>
-                    <a:latin typeface="Helvetica" pitchFamily="2" charset="0"/>
-                  </a:rPr>
-                  <a:t>LP</a:t>
-                </a:r>
-                <a:endParaRPr lang="de-US" sz="2400" b="1" dirty="0">
-                  <a:solidFill>
-                    <a:srgbClr val="455058"/>
-                  </a:solidFill>
-                  <a:latin typeface="Helvetica" pitchFamily="2" charset="0"/>
-                </a:endParaRPr>
-              </a:p>
-            </p:txBody>
-          </p:sp>
-          <p:sp>
-            <p:nvSpPr>
-              <p:cNvPr id="57" name="Rechteck 32">
-                <a:extLst>
-                  <a:ext uri="{FF2B5EF4-FFF2-40B4-BE49-F238E27FC236}">
-                    <a16:creationId xmlns:a16="http://schemas.microsoft.com/office/drawing/2014/main" id="{6695C8C2-8950-86E2-7B5E-63252DA29D99}"/>
-                  </a:ext>
-                </a:extLst>
-              </p:cNvPr>
-              <p:cNvSpPr/>
-              <p:nvPr/>
-            </p:nvSpPr>
-            <p:spPr>
-              <a:xfrm>
-                <a:off x="10193103" y="5780794"/>
-                <a:ext cx="577919" cy="597680"/>
-              </a:xfrm>
-              <a:prstGeom prst="rect">
-                <a:avLst/>
-              </a:prstGeom>
-              <a:solidFill>
-                <a:schemeClr val="bg1"/>
-              </a:solidFill>
-              <a:ln w="25400">
-                <a:solidFill>
-                  <a:srgbClr val="FC8072"/>
-                </a:solidFill>
-              </a:ln>
-            </p:spPr>
-            <p:style>
-              <a:lnRef idx="2">
-                <a:schemeClr val="accent1">
-                  <a:shade val="15000"/>
-                </a:schemeClr>
-              </a:lnRef>
-              <a:fillRef idx="1">
-                <a:schemeClr val="accent1"/>
-              </a:fillRef>
-              <a:effectRef idx="0">
-                <a:schemeClr val="accent1"/>
-              </a:effectRef>
-              <a:fontRef idx="minor">
-                <a:schemeClr val="lt1"/>
-              </a:fontRef>
-            </p:style>
-            <p:txBody>
-              <a:bodyPr rtlCol="0" anchor="ctr"/>
-              <a:lstStyle/>
-              <a:p>
-                <a:pPr algn="ctr"/>
-                <a:r>
-                  <a:rPr lang="en-US" sz="2400" b="1" dirty="0">
-                    <a:solidFill>
-                      <a:srgbClr val="455058"/>
-                    </a:solidFill>
-                    <a:latin typeface="Helvetica" pitchFamily="2" charset="0"/>
-                  </a:rPr>
-                  <a:t>HP</a:t>
-                </a:r>
-                <a:endParaRPr lang="de-US" sz="2400" b="1" dirty="0">
-                  <a:solidFill>
-                    <a:srgbClr val="455058"/>
-                  </a:solidFill>
-                  <a:latin typeface="Helvetica" pitchFamily="2" charset="0"/>
-                </a:endParaRPr>
-              </a:p>
-            </p:txBody>
-          </p:sp>
-        </p:grpSp>
-        <p:grpSp>
-          <p:nvGrpSpPr>
-            <p:cNvPr id="127" name="Group 126">
-              <a:extLst>
-                <a:ext uri="{FF2B5EF4-FFF2-40B4-BE49-F238E27FC236}">
-                  <a16:creationId xmlns:a16="http://schemas.microsoft.com/office/drawing/2014/main" id="{32309F14-D340-B4D1-877A-637A273D3BE3}"/>
-                </a:ext>
-              </a:extLst>
-            </p:cNvPr>
-            <p:cNvGrpSpPr/>
-            <p:nvPr/>
-          </p:nvGrpSpPr>
-          <p:grpSpPr>
-            <a:xfrm>
-              <a:off x="8311301" y="1347892"/>
-              <a:ext cx="2289341" cy="4235064"/>
-              <a:chOff x="8976514" y="2844524"/>
-              <a:chExt cx="1947277" cy="3602279"/>
-            </a:xfrm>
-          </p:grpSpPr>
-          <p:sp>
-            <p:nvSpPr>
-              <p:cNvPr id="13" name="Title 1">
-                <a:extLst>
-                  <a:ext uri="{FF2B5EF4-FFF2-40B4-BE49-F238E27FC236}">
-                    <a16:creationId xmlns:a16="http://schemas.microsoft.com/office/drawing/2014/main" id="{B8A6ECBA-0BFA-8371-7EC5-2FD100C1ACC2}"/>
-                  </a:ext>
-                </a:extLst>
-              </p:cNvPr>
-              <p:cNvSpPr txBox="1">
-                <a:spLocks/>
-              </p:cNvSpPr>
-              <p:nvPr/>
-            </p:nvSpPr>
-            <p:spPr>
-              <a:xfrm>
-                <a:off x="8976514" y="2844524"/>
-                <a:ext cx="1947277" cy="952277"/>
-              </a:xfrm>
-              <a:prstGeom prst="rect">
-                <a:avLst/>
-              </a:prstGeom>
-              <a:noFill/>
-            </p:spPr>
-            <p:txBody>
-              <a:bodyPr vert="horz" lIns="91440" tIns="45720" rIns="91440" bIns="45720" rtlCol="0" anchor="ctr">
-                <a:normAutofit/>
-              </a:bodyPr>
-              <a:lstStyle>
-                <a:lvl1pPr algn="l" defTabSz="914400" rtl="0" eaLnBrk="1" latinLnBrk="0" hangingPunct="1">
-                  <a:lnSpc>
-                    <a:spcPct val="90000"/>
-                  </a:lnSpc>
-                  <a:spcBef>
-                    <a:spcPct val="0"/>
-                  </a:spcBef>
-                  <a:buNone/>
-                  <a:defRPr sz="4400" kern="1200">
-                    <a:solidFill>
-                      <a:schemeClr val="tx1"/>
-                    </a:solidFill>
-                    <a:latin typeface="+mj-lt"/>
-                    <a:ea typeface="+mj-ea"/>
-                    <a:cs typeface="+mj-cs"/>
-                  </a:defRPr>
-                </a:lvl1pPr>
-              </a:lstStyle>
-              <a:p>
-                <a:pPr algn="ctr"/>
-                <a:r>
-                  <a:rPr lang="en-US" sz="2000" b="1" dirty="0">
-                    <a:solidFill>
-                      <a:schemeClr val="bg2">
-                        <a:lumMod val="25000"/>
-                      </a:schemeClr>
-                    </a:solidFill>
-                    <a:latin typeface="Helvetica" pitchFamily="2" charset="0"/>
-                    <a:ea typeface="Circular Book" panose="02000503000000020003" pitchFamily="2" charset="77"/>
-                    <a:cs typeface="Futura Medium" panose="020B0602020204020303" pitchFamily="34" charset="-79"/>
-                  </a:rPr>
-                  <a:t>Objective</a:t>
-                </a:r>
-              </a:p>
-              <a:p>
-                <a:pPr algn="ctr"/>
-                <a:r>
-                  <a:rPr lang="en-US" sz="2000" b="1" dirty="0">
-                    <a:solidFill>
-                      <a:schemeClr val="bg2">
-                        <a:lumMod val="25000"/>
-                      </a:schemeClr>
-                    </a:solidFill>
-                    <a:latin typeface="Helvetica" pitchFamily="2" charset="0"/>
-                    <a:ea typeface="Circular Book" panose="02000503000000020003" pitchFamily="2" charset="77"/>
-                    <a:cs typeface="Futura Medium" panose="020B0602020204020303" pitchFamily="34" charset="-79"/>
-                  </a:rPr>
-                  <a:t>Value</a:t>
-                </a:r>
+                <a:endParaRPr lang="en-US"/>
               </a:p>
             </p:txBody>
           </p:sp>
           <p:grpSp>
             <p:nvGrpSpPr>
-              <p:cNvPr id="126" name="Group 125">
+              <p:cNvPr id="74" name="Group 73">
                 <a:extLst>
                   <a:ext uri="{FF2B5EF4-FFF2-40B4-BE49-F238E27FC236}">
-                    <a16:creationId xmlns:a16="http://schemas.microsoft.com/office/drawing/2014/main" id="{8F7E82FA-C758-847F-FC92-4D94264D7C33}"/>
+                    <a16:creationId xmlns:a16="http://schemas.microsoft.com/office/drawing/2014/main" id="{F5FCCB93-F4F2-3DD7-1C49-FFA7CD2666A8}"/>
                   </a:ext>
                 </a:extLst>
               </p:cNvPr>
@@ -11868,17 +11882,269 @@
             <p:grpSpPr>
               <a:xfrm>
                 <a:off x="9490784" y="3542688"/>
-                <a:ext cx="850680" cy="2904115"/>
-                <a:chOff x="9490784" y="3542688"/>
-                <a:chExt cx="850680" cy="2904115"/>
+                <a:ext cx="843677" cy="2904115"/>
+                <a:chOff x="9375815" y="3379383"/>
+                <a:chExt cx="843677" cy="2904115"/>
               </a:xfrm>
             </p:grpSpPr>
             <p:sp>
               <p:nvSpPr>
-                <p:cNvPr id="108" name="Rectangle 176">
+                <p:cNvPr id="60" name="Title 1">
                   <a:extLst>
                     <a:ext uri="{FF2B5EF4-FFF2-40B4-BE49-F238E27FC236}">
-                      <a16:creationId xmlns:a16="http://schemas.microsoft.com/office/drawing/2014/main" id="{67DD630F-A7F2-E9D4-1092-14C7FF821CA4}"/>
+                      <a16:creationId xmlns:a16="http://schemas.microsoft.com/office/drawing/2014/main" id="{3D85B10F-4091-3FC1-8D41-3C1F482D125F}"/>
+                    </a:ext>
+                  </a:extLst>
+                </p:cNvPr>
+                <p:cNvSpPr txBox="1">
+                  <a:spLocks/>
+                </p:cNvSpPr>
+                <p:nvPr/>
+              </p:nvSpPr>
+              <p:spPr>
+                <a:xfrm>
+                  <a:off x="9378474" y="3386788"/>
+                  <a:ext cx="840094" cy="716990"/>
+                </a:xfrm>
+                <a:prstGeom prst="rect">
+                  <a:avLst/>
+                </a:prstGeom>
+                <a:noFill/>
+              </p:spPr>
+              <p:txBody>
+                <a:bodyPr vert="horz" lIns="91440" tIns="45720" rIns="91440" bIns="45720" rtlCol="0" anchor="ctr">
+                  <a:normAutofit/>
+                </a:bodyPr>
+                <a:lstStyle>
+                  <a:lvl1pPr algn="l" defTabSz="914400" rtl="0" eaLnBrk="1" latinLnBrk="0" hangingPunct="1">
+                    <a:lnSpc>
+                      <a:spcPct val="90000"/>
+                    </a:lnSpc>
+                    <a:spcBef>
+                      <a:spcPct val="0"/>
+                    </a:spcBef>
+                    <a:buNone/>
+                    <a:defRPr sz="4400" kern="1200">
+                      <a:solidFill>
+                        <a:schemeClr val="tx1"/>
+                      </a:solidFill>
+                      <a:latin typeface="+mj-lt"/>
+                      <a:ea typeface="+mj-ea"/>
+                      <a:cs typeface="+mj-cs"/>
+                    </a:defRPr>
+                  </a:lvl1pPr>
+                </a:lstStyle>
+                <a:p>
+                  <a:pPr algn="ctr"/>
+                  <a:r>
+                    <a:rPr lang="en-US" sz="2800" b="1" dirty="0">
+                      <a:solidFill>
+                        <a:srgbClr val="455058"/>
+                      </a:solidFill>
+                      <a:latin typeface="Helvetica" pitchFamily="2" charset="0"/>
+                      <a:ea typeface="Circular Book" panose="02000503000000020003" pitchFamily="2" charset="77"/>
+                      <a:cs typeface="Futura Medium" panose="020B0602020204020303" pitchFamily="34" charset="-79"/>
+                    </a:rPr>
+                    <a:t>+75</a:t>
+                  </a:r>
+                </a:p>
+              </p:txBody>
+            </p:sp>
+            <p:sp>
+              <p:nvSpPr>
+                <p:cNvPr id="61" name="Title 1">
+                  <a:extLst>
+                    <a:ext uri="{FF2B5EF4-FFF2-40B4-BE49-F238E27FC236}">
+                      <a16:creationId xmlns:a16="http://schemas.microsoft.com/office/drawing/2014/main" id="{AA2FBDD8-92BB-0061-D841-E8D9F375992D}"/>
+                    </a:ext>
+                  </a:extLst>
+                </p:cNvPr>
+                <p:cNvSpPr txBox="1">
+                  <a:spLocks/>
+                </p:cNvSpPr>
+                <p:nvPr/>
+              </p:nvSpPr>
+              <p:spPr>
+                <a:xfrm>
+                  <a:off x="9377375" y="4106384"/>
+                  <a:ext cx="841193" cy="724595"/>
+                </a:xfrm>
+                <a:prstGeom prst="rect">
+                  <a:avLst/>
+                </a:prstGeom>
+                <a:noFill/>
+              </p:spPr>
+              <p:txBody>
+                <a:bodyPr vert="horz" lIns="91440" tIns="45720" rIns="91440" bIns="45720" rtlCol="0" anchor="ctr">
+                  <a:noAutofit/>
+                </a:bodyPr>
+                <a:lstStyle>
+                  <a:lvl1pPr algn="l" defTabSz="914400" rtl="0" eaLnBrk="1" latinLnBrk="0" hangingPunct="1">
+                    <a:lnSpc>
+                      <a:spcPct val="90000"/>
+                    </a:lnSpc>
+                    <a:spcBef>
+                      <a:spcPct val="0"/>
+                    </a:spcBef>
+                    <a:buNone/>
+                    <a:defRPr sz="4400" kern="1200">
+                      <a:solidFill>
+                        <a:schemeClr val="tx1"/>
+                      </a:solidFill>
+                      <a:latin typeface="+mj-lt"/>
+                      <a:ea typeface="+mj-ea"/>
+                      <a:cs typeface="+mj-cs"/>
+                    </a:defRPr>
+                  </a:lvl1pPr>
+                </a:lstStyle>
+                <a:p>
+                  <a:pPr algn="ctr"/>
+                  <a:r>
+                    <a:rPr lang="en-US" sz="2800" b="1" dirty="0">
+                      <a:solidFill>
+                        <a:srgbClr val="455058"/>
+                      </a:solidFill>
+                      <a:latin typeface="Helvetica" pitchFamily="2" charset="0"/>
+                      <a:ea typeface="Circular Book" panose="02000503000000020003" pitchFamily="2" charset="77"/>
+                      <a:cs typeface="Futura Medium" panose="020B0602020204020303" pitchFamily="34" charset="-79"/>
+                    </a:rPr>
+                    <a:t>+25</a:t>
+                  </a:r>
+                </a:p>
+              </p:txBody>
+            </p:sp>
+            <p:sp>
+              <p:nvSpPr>
+                <p:cNvPr id="62" name="Title 1">
+                  <a:extLst>
+                    <a:ext uri="{FF2B5EF4-FFF2-40B4-BE49-F238E27FC236}">
+                      <a16:creationId xmlns:a16="http://schemas.microsoft.com/office/drawing/2014/main" id="{BE5508B0-7398-5C48-831A-77ACB41C8A5E}"/>
+                    </a:ext>
+                  </a:extLst>
+                </p:cNvPr>
+                <p:cNvSpPr txBox="1">
+                  <a:spLocks/>
+                </p:cNvSpPr>
+                <p:nvPr/>
+              </p:nvSpPr>
+              <p:spPr>
+                <a:xfrm>
+                  <a:off x="9375815" y="4830979"/>
+                  <a:ext cx="842754" cy="706981"/>
+                </a:xfrm>
+                <a:prstGeom prst="rect">
+                  <a:avLst/>
+                </a:prstGeom>
+                <a:noFill/>
+              </p:spPr>
+              <p:txBody>
+                <a:bodyPr vert="horz" lIns="91440" tIns="45720" rIns="91440" bIns="45720" rtlCol="0" anchor="ctr">
+                  <a:normAutofit/>
+                </a:bodyPr>
+                <a:lstStyle>
+                  <a:lvl1pPr algn="l" defTabSz="914400" rtl="0" eaLnBrk="1" latinLnBrk="0" hangingPunct="1">
+                    <a:lnSpc>
+                      <a:spcPct val="90000"/>
+                    </a:lnSpc>
+                    <a:spcBef>
+                      <a:spcPct val="0"/>
+                    </a:spcBef>
+                    <a:buNone/>
+                    <a:defRPr sz="4400" kern="1200">
+                      <a:solidFill>
+                        <a:schemeClr val="tx1"/>
+                      </a:solidFill>
+                      <a:latin typeface="+mj-lt"/>
+                      <a:ea typeface="+mj-ea"/>
+                      <a:cs typeface="+mj-cs"/>
+                    </a:defRPr>
+                  </a:lvl1pPr>
+                </a:lstStyle>
+                <a:p>
+                  <a:pPr algn="ctr"/>
+                  <a:r>
+                    <a:rPr lang="en-US" sz="2800" b="1" dirty="0">
+                      <a:solidFill>
+                        <a:srgbClr val="455058"/>
+                      </a:solidFill>
+                      <a:latin typeface="Helvetica" pitchFamily="2" charset="0"/>
+                      <a:ea typeface="Circular Book" panose="02000503000000020003" pitchFamily="2" charset="77"/>
+                      <a:cs typeface="Futura Medium" panose="020B0602020204020303" pitchFamily="34" charset="-79"/>
+                    </a:rPr>
+                    <a:t>-25</a:t>
+                  </a:r>
+                </a:p>
+              </p:txBody>
+            </p:sp>
+            <p:sp>
+              <p:nvSpPr>
+                <p:cNvPr id="63" name="Title 1">
+                  <a:extLst>
+                    <a:ext uri="{FF2B5EF4-FFF2-40B4-BE49-F238E27FC236}">
+                      <a16:creationId xmlns:a16="http://schemas.microsoft.com/office/drawing/2014/main" id="{FB5F03BB-0BF1-DA1A-DB1D-088C2098D092}"/>
+                    </a:ext>
+                  </a:extLst>
+                </p:cNvPr>
+                <p:cNvSpPr txBox="1">
+                  <a:spLocks/>
+                </p:cNvSpPr>
+                <p:nvPr/>
+              </p:nvSpPr>
+              <p:spPr>
+                <a:xfrm>
+                  <a:off x="9375815" y="5560783"/>
+                  <a:ext cx="840094" cy="701574"/>
+                </a:xfrm>
+                <a:prstGeom prst="rect">
+                  <a:avLst/>
+                </a:prstGeom>
+                <a:noFill/>
+              </p:spPr>
+              <p:txBody>
+                <a:bodyPr vert="horz" lIns="91440" tIns="45720" rIns="91440" bIns="45720" rtlCol="0" anchor="ctr">
+                  <a:normAutofit/>
+                </a:bodyPr>
+                <a:lstStyle>
+                  <a:lvl1pPr algn="l" defTabSz="914400" rtl="0" eaLnBrk="1" latinLnBrk="0" hangingPunct="1">
+                    <a:lnSpc>
+                      <a:spcPct val="90000"/>
+                    </a:lnSpc>
+                    <a:spcBef>
+                      <a:spcPct val="0"/>
+                    </a:spcBef>
+                    <a:buNone/>
+                    <a:defRPr sz="4400" kern="1200">
+                      <a:solidFill>
+                        <a:schemeClr val="tx1"/>
+                      </a:solidFill>
+                      <a:latin typeface="+mj-lt"/>
+                      <a:ea typeface="+mj-ea"/>
+                      <a:cs typeface="+mj-cs"/>
+                    </a:defRPr>
+                  </a:lvl1pPr>
+                </a:lstStyle>
+                <a:p>
+                  <a:pPr algn="ctr"/>
+                  <a:r>
+                    <a:rPr lang="en-US" sz="2800" b="1" dirty="0">
+                      <a:solidFill>
+                        <a:srgbClr val="455058"/>
+                      </a:solidFill>
+                      <a:latin typeface="Helvetica" pitchFamily="2" charset="0"/>
+                      <a:ea typeface="Circular Book" panose="02000503000000020003" pitchFamily="2" charset="77"/>
+                      <a:cs typeface="Futura Medium" panose="020B0602020204020303" pitchFamily="34" charset="-79"/>
+                    </a:rPr>
+                    <a:t>-75</a:t>
+                  </a:r>
+                </a:p>
+              </p:txBody>
+            </p:sp>
+            <p:sp>
+              <p:nvSpPr>
+                <p:cNvPr id="69" name="Rectangle 176">
+                  <a:extLst>
+                    <a:ext uri="{FF2B5EF4-FFF2-40B4-BE49-F238E27FC236}">
+                      <a16:creationId xmlns:a16="http://schemas.microsoft.com/office/drawing/2014/main" id="{2F5E3C2B-23A0-10F6-7C83-2A02DF09D95D}"/>
                     </a:ext>
                   </a:extLst>
                 </p:cNvPr>
@@ -11887,36 +12153,19 @@
               </p:nvSpPr>
               <p:spPr>
                 <a:xfrm>
-                  <a:off x="9501370" y="3542688"/>
+                  <a:off x="9379398" y="3379383"/>
                   <a:ext cx="840094" cy="2904115"/>
                 </a:xfrm>
                 <a:prstGeom prst="rect">
                   <a:avLst/>
                 </a:prstGeom>
-                <a:gradFill flip="none" rotWithShape="1">
-                  <a:gsLst>
-                    <a:gs pos="0">
-                      <a:srgbClr val="8CD3C7">
-                        <a:alpha val="80000"/>
-                      </a:srgbClr>
-                    </a:gs>
-                    <a:gs pos="53000">
-                      <a:srgbClr val="FFFFFF"/>
-                    </a:gs>
-                    <a:gs pos="47000">
-                      <a:srgbClr val="FFFFFF"/>
-                    </a:gs>
-                    <a:gs pos="100000">
-                      <a:srgbClr val="FA8274">
-                        <a:alpha val="80000"/>
-                      </a:srgbClr>
-                    </a:gs>
-                  </a:gsLst>
-                  <a:lin ang="5400000" scaled="1"/>
-                  <a:tileRect/>
-                </a:gradFill>
+                <a:noFill/>
                 <a:ln>
-                  <a:noFill/>
+                  <a:solidFill>
+                    <a:schemeClr val="bg2">
+                      <a:lumMod val="75000"/>
+                    </a:schemeClr>
+                  </a:solidFill>
                 </a:ln>
               </p:spPr>
               <p:style>
@@ -11944,12 +12193,156 @@
                 </a:p>
               </p:txBody>
             </p:sp>
+          </p:grpSp>
+        </p:grpSp>
+      </p:grpSp>
+      <p:grpSp>
+        <p:nvGrpSpPr>
+          <p:cNvPr id="123" name="Group 122">
+            <a:extLst>
+              <a:ext uri="{FF2B5EF4-FFF2-40B4-BE49-F238E27FC236}">
+                <a16:creationId xmlns:a16="http://schemas.microsoft.com/office/drawing/2014/main" id="{40FA0749-718A-22D1-5459-9C9260DB2B99}"/>
+              </a:ext>
+            </a:extLst>
+          </p:cNvPr>
+          <p:cNvGrpSpPr/>
+          <p:nvPr/>
+        </p:nvGrpSpPr>
+        <p:grpSpPr>
+          <a:xfrm>
+            <a:off x="9817844" y="708124"/>
+            <a:ext cx="2325566" cy="5150288"/>
+            <a:chOff x="10460292" y="2844524"/>
+            <a:chExt cx="1626577" cy="3602279"/>
+          </a:xfrm>
+        </p:grpSpPr>
+        <p:sp>
+          <p:nvSpPr>
+            <p:cNvPr id="14" name="Title 1">
+              <a:extLst>
+                <a:ext uri="{FF2B5EF4-FFF2-40B4-BE49-F238E27FC236}">
+                  <a16:creationId xmlns:a16="http://schemas.microsoft.com/office/drawing/2014/main" id="{99DA9E5D-6C57-477D-808B-C218409AF73E}"/>
+                </a:ext>
+              </a:extLst>
+            </p:cNvPr>
+            <p:cNvSpPr txBox="1">
+              <a:spLocks/>
+            </p:cNvSpPr>
+            <p:nvPr/>
+          </p:nvSpPr>
+          <p:spPr>
+            <a:xfrm>
+              <a:off x="10460292" y="2844524"/>
+              <a:ext cx="1626577" cy="952277"/>
+            </a:xfrm>
+            <a:prstGeom prst="rect">
+              <a:avLst/>
+            </a:prstGeom>
+            <a:noFill/>
+          </p:spPr>
+          <p:txBody>
+            <a:bodyPr vert="horz" lIns="91440" tIns="45720" rIns="91440" bIns="45720" rtlCol="0" anchor="ctr">
+              <a:normAutofit/>
+            </a:bodyPr>
+            <a:lstStyle>
+              <a:lvl1pPr algn="l" defTabSz="914400" rtl="0" eaLnBrk="1" latinLnBrk="0" hangingPunct="1">
+                <a:lnSpc>
+                  <a:spcPct val="90000"/>
+                </a:lnSpc>
+                <a:spcBef>
+                  <a:spcPct val="0"/>
+                </a:spcBef>
+                <a:buNone/>
+                <a:defRPr sz="4400" kern="1200">
+                  <a:solidFill>
+                    <a:schemeClr val="tx1"/>
+                  </a:solidFill>
+                  <a:latin typeface="+mj-lt"/>
+                  <a:ea typeface="+mj-ea"/>
+                  <a:cs typeface="+mj-cs"/>
+                </a:defRPr>
+              </a:lvl1pPr>
+            </a:lstStyle>
+            <a:p>
+              <a:pPr algn="ctr"/>
+              <a:r>
+                <a:rPr lang="en-US" sz="2000" b="1" dirty="0">
+                  <a:solidFill>
+                    <a:schemeClr val="bg2">
+                      <a:lumMod val="25000"/>
+                    </a:schemeClr>
+                  </a:solidFill>
+                  <a:latin typeface="Helvetica" pitchFamily="2" charset="0"/>
+                  <a:ea typeface="Circular Book" panose="02000503000000020003" pitchFamily="2" charset="77"/>
+                  <a:cs typeface="Futura Medium" panose="020B0602020204020303" pitchFamily="34" charset="-79"/>
+                </a:rPr>
+                <a:t>Relative</a:t>
+              </a:r>
+            </a:p>
+            <a:p>
+              <a:pPr algn="ctr"/>
+              <a:r>
+                <a:rPr lang="en-US" sz="2000" b="1" dirty="0">
+                  <a:solidFill>
+                    <a:schemeClr val="bg2">
+                      <a:lumMod val="25000"/>
+                    </a:schemeClr>
+                  </a:solidFill>
+                  <a:latin typeface="Helvetica" pitchFamily="2" charset="0"/>
+                  <a:ea typeface="Circular Book" panose="02000503000000020003" pitchFamily="2" charset="77"/>
+                  <a:cs typeface="Futura Medium" panose="020B0602020204020303" pitchFamily="34" charset="-79"/>
+                </a:rPr>
+                <a:t>Value</a:t>
+              </a:r>
+            </a:p>
+          </p:txBody>
+        </p:sp>
+        <p:grpSp>
+          <p:nvGrpSpPr>
+            <p:cNvPr id="122" name="Group 121">
+              <a:extLst>
+                <a:ext uri="{FF2B5EF4-FFF2-40B4-BE49-F238E27FC236}">
+                  <a16:creationId xmlns:a16="http://schemas.microsoft.com/office/drawing/2014/main" id="{4A9A5FF4-BA40-0466-BE08-9DC5A1CD5547}"/>
+                </a:ext>
+              </a:extLst>
+            </p:cNvPr>
+            <p:cNvGrpSpPr/>
+            <p:nvPr/>
+          </p:nvGrpSpPr>
+          <p:grpSpPr>
+            <a:xfrm>
+              <a:off x="10807650" y="3542688"/>
+              <a:ext cx="933494" cy="2904115"/>
+              <a:chOff x="10807650" y="3542688"/>
+              <a:chExt cx="933494" cy="2904115"/>
+            </a:xfrm>
+          </p:grpSpPr>
+          <p:grpSp>
+            <p:nvGrpSpPr>
+              <p:cNvPr id="109" name="Group 108">
+                <a:extLst>
+                  <a:ext uri="{FF2B5EF4-FFF2-40B4-BE49-F238E27FC236}">
+                    <a16:creationId xmlns:a16="http://schemas.microsoft.com/office/drawing/2014/main" id="{5F22AE2A-E13A-8930-6595-849B75BDF60F}"/>
+                  </a:ext>
+                </a:extLst>
+              </p:cNvPr>
+              <p:cNvGrpSpPr/>
+              <p:nvPr/>
+            </p:nvGrpSpPr>
+            <p:grpSpPr>
+              <a:xfrm>
+                <a:off x="10807650" y="3542688"/>
+                <a:ext cx="884626" cy="2904115"/>
+                <a:chOff x="10907974" y="3421067"/>
+                <a:chExt cx="884626" cy="2904115"/>
+              </a:xfrm>
+            </p:grpSpPr>
             <p:grpSp>
               <p:nvGrpSpPr>
-                <p:cNvPr id="74" name="Group 73">
+                <p:cNvPr id="92" name="Group 91">
                   <a:extLst>
                     <a:ext uri="{FF2B5EF4-FFF2-40B4-BE49-F238E27FC236}">
-                      <a16:creationId xmlns:a16="http://schemas.microsoft.com/office/drawing/2014/main" id="{F5FCCB93-F4F2-3DD7-1C49-FFA7CD2666A8}"/>
+                      <a16:creationId xmlns:a16="http://schemas.microsoft.com/office/drawing/2014/main" id="{5FF8499B-7315-CB53-1B8F-1D4BBB27B509}"/>
                     </a:ext>
                   </a:extLst>
                 </p:cNvPr>
@@ -11958,18 +12351,255 @@
               </p:nvGrpSpPr>
               <p:grpSpPr>
                 <a:xfrm>
-                  <a:off x="9490784" y="3542688"/>
-                  <a:ext cx="843677" cy="2904115"/>
-                  <a:chOff x="9375815" y="3379383"/>
-                  <a:chExt cx="843677" cy="2904115"/>
+                  <a:off x="10952505" y="3429000"/>
+                  <a:ext cx="840095" cy="2895788"/>
+                  <a:chOff x="10952505" y="3429000"/>
+                  <a:chExt cx="840095" cy="2895788"/>
                 </a:xfrm>
               </p:grpSpPr>
               <p:sp>
                 <p:nvSpPr>
-                  <p:cNvPr id="60" name="Title 1">
+                  <p:cNvPr id="88" name="Rectangle 176">
                     <a:extLst>
                       <a:ext uri="{FF2B5EF4-FFF2-40B4-BE49-F238E27FC236}">
-                        <a16:creationId xmlns:a16="http://schemas.microsoft.com/office/drawing/2014/main" id="{3D85B10F-4091-3FC1-8D41-3C1F482D125F}"/>
+                        <a16:creationId xmlns:a16="http://schemas.microsoft.com/office/drawing/2014/main" id="{19C856A1-18A3-0800-B637-2A4F3A31C951}"/>
+                      </a:ext>
+                    </a:extLst>
+                  </p:cNvPr>
+                  <p:cNvSpPr/>
+                  <p:nvPr/>
+                </p:nvSpPr>
+                <p:spPr>
+                  <a:xfrm>
+                    <a:off x="10952506" y="3429000"/>
+                    <a:ext cx="840094" cy="727200"/>
+                  </a:xfrm>
+                  <a:prstGeom prst="rect">
+                    <a:avLst/>
+                  </a:prstGeom>
+                  <a:solidFill>
+                    <a:srgbClr val="8CD3C7">
+                      <a:alpha val="50196"/>
+                    </a:srgbClr>
+                  </a:solidFill>
+                  <a:ln>
+                    <a:noFill/>
+                  </a:ln>
+                </p:spPr>
+                <p:style>
+                  <a:lnRef idx="2">
+                    <a:schemeClr val="accent1">
+                      <a:shade val="15000"/>
+                    </a:schemeClr>
+                  </a:lnRef>
+                  <a:fillRef idx="1">
+                    <a:schemeClr val="accent1"/>
+                  </a:fillRef>
+                  <a:effectRef idx="0">
+                    <a:schemeClr val="accent1"/>
+                  </a:effectRef>
+                  <a:fontRef idx="minor">
+                    <a:schemeClr val="lt1"/>
+                  </a:fontRef>
+                </p:style>
+                <p:txBody>
+                  <a:bodyPr rtlCol="0" anchor="ctr"/>
+                  <a:lstStyle/>
+                  <a:p>
+                    <a:pPr algn="ctr"/>
+                    <a:endParaRPr lang="en-US" dirty="0"/>
+                  </a:p>
+                </p:txBody>
+              </p:sp>
+              <p:sp>
+                <p:nvSpPr>
+                  <p:cNvPr id="89" name="Rectangle 176">
+                    <a:extLst>
+                      <a:ext uri="{FF2B5EF4-FFF2-40B4-BE49-F238E27FC236}">
+                        <a16:creationId xmlns:a16="http://schemas.microsoft.com/office/drawing/2014/main" id="{9BC621DF-C729-EF41-4108-397D3B62563B}"/>
+                      </a:ext>
+                    </a:extLst>
+                  </p:cNvPr>
+                  <p:cNvSpPr/>
+                  <p:nvPr/>
+                </p:nvSpPr>
+                <p:spPr>
+                  <a:xfrm>
+                    <a:off x="10952506" y="4153397"/>
+                    <a:ext cx="840094" cy="727200"/>
+                  </a:xfrm>
+                  <a:prstGeom prst="rect">
+                    <a:avLst/>
+                  </a:prstGeom>
+                  <a:solidFill>
+                    <a:srgbClr val="FA8173">
+                      <a:alpha val="50196"/>
+                    </a:srgbClr>
+                  </a:solidFill>
+                  <a:ln>
+                    <a:noFill/>
+                  </a:ln>
+                </p:spPr>
+                <p:style>
+                  <a:lnRef idx="2">
+                    <a:schemeClr val="accent1">
+                      <a:shade val="15000"/>
+                    </a:schemeClr>
+                  </a:lnRef>
+                  <a:fillRef idx="1">
+                    <a:schemeClr val="accent1"/>
+                  </a:fillRef>
+                  <a:effectRef idx="0">
+                    <a:schemeClr val="accent1"/>
+                  </a:effectRef>
+                  <a:fontRef idx="minor">
+                    <a:schemeClr val="lt1"/>
+                  </a:fontRef>
+                </p:style>
+                <p:txBody>
+                  <a:bodyPr rtlCol="0" anchor="ctr"/>
+                  <a:lstStyle/>
+                  <a:p>
+                    <a:pPr algn="ctr"/>
+                    <a:endParaRPr lang="en-US" dirty="0"/>
+                  </a:p>
+                </p:txBody>
+              </p:sp>
+              <p:sp>
+                <p:nvSpPr>
+                  <p:cNvPr id="90" name="Rectangle 176">
+                    <a:extLst>
+                      <a:ext uri="{FF2B5EF4-FFF2-40B4-BE49-F238E27FC236}">
+                        <a16:creationId xmlns:a16="http://schemas.microsoft.com/office/drawing/2014/main" id="{8E53B76D-B1F3-63BD-F439-BDC15C2160CC}"/>
+                      </a:ext>
+                    </a:extLst>
+                  </p:cNvPr>
+                  <p:cNvSpPr/>
+                  <p:nvPr/>
+                </p:nvSpPr>
+                <p:spPr>
+                  <a:xfrm>
+                    <a:off x="10952506" y="4873191"/>
+                    <a:ext cx="840094" cy="727200"/>
+                  </a:xfrm>
+                  <a:prstGeom prst="rect">
+                    <a:avLst/>
+                  </a:prstGeom>
+                  <a:solidFill>
+                    <a:srgbClr val="8CD3C7">
+                      <a:alpha val="50196"/>
+                    </a:srgbClr>
+                  </a:solidFill>
+                  <a:ln>
+                    <a:noFill/>
+                  </a:ln>
+                </p:spPr>
+                <p:style>
+                  <a:lnRef idx="2">
+                    <a:schemeClr val="accent1">
+                      <a:shade val="15000"/>
+                    </a:schemeClr>
+                  </a:lnRef>
+                  <a:fillRef idx="1">
+                    <a:schemeClr val="accent1"/>
+                  </a:fillRef>
+                  <a:effectRef idx="0">
+                    <a:schemeClr val="accent1"/>
+                  </a:effectRef>
+                  <a:fontRef idx="minor">
+                    <a:schemeClr val="lt1"/>
+                  </a:fontRef>
+                </p:style>
+                <p:txBody>
+                  <a:bodyPr rtlCol="0" anchor="ctr"/>
+                  <a:lstStyle/>
+                  <a:p>
+                    <a:pPr algn="ctr"/>
+                    <a:endParaRPr lang="en-US" dirty="0"/>
+                  </a:p>
+                </p:txBody>
+              </p:sp>
+              <p:sp>
+                <p:nvSpPr>
+                  <p:cNvPr id="91" name="Rectangle 176">
+                    <a:extLst>
+                      <a:ext uri="{FF2B5EF4-FFF2-40B4-BE49-F238E27FC236}">
+                        <a16:creationId xmlns:a16="http://schemas.microsoft.com/office/drawing/2014/main" id="{E2F92E86-728D-51E6-8C76-E6C9B40B967B}"/>
+                      </a:ext>
+                    </a:extLst>
+                  </p:cNvPr>
+                  <p:cNvSpPr/>
+                  <p:nvPr/>
+                </p:nvSpPr>
+                <p:spPr>
+                  <a:xfrm>
+                    <a:off x="10952505" y="5597588"/>
+                    <a:ext cx="840094" cy="727200"/>
+                  </a:xfrm>
+                  <a:prstGeom prst="rect">
+                    <a:avLst/>
+                  </a:prstGeom>
+                  <a:solidFill>
+                    <a:srgbClr val="FA8173">
+                      <a:alpha val="50196"/>
+                    </a:srgbClr>
+                  </a:solidFill>
+                  <a:ln>
+                    <a:noFill/>
+                  </a:ln>
+                </p:spPr>
+                <p:style>
+                  <a:lnRef idx="2">
+                    <a:schemeClr val="accent1">
+                      <a:shade val="15000"/>
+                    </a:schemeClr>
+                  </a:lnRef>
+                  <a:fillRef idx="1">
+                    <a:schemeClr val="accent1"/>
+                  </a:fillRef>
+                  <a:effectRef idx="0">
+                    <a:schemeClr val="accent1"/>
+                  </a:effectRef>
+                  <a:fontRef idx="minor">
+                    <a:schemeClr val="lt1"/>
+                  </a:fontRef>
+                </p:style>
+                <p:txBody>
+                  <a:bodyPr rtlCol="0" anchor="ctr"/>
+                  <a:lstStyle/>
+                  <a:p>
+                    <a:pPr algn="ctr"/>
+                    <a:endParaRPr lang="en-US" dirty="0"/>
+                  </a:p>
+                </p:txBody>
+              </p:sp>
+            </p:grpSp>
+            <p:grpSp>
+              <p:nvGrpSpPr>
+                <p:cNvPr id="76" name="Group 75">
+                  <a:extLst>
+                    <a:ext uri="{FF2B5EF4-FFF2-40B4-BE49-F238E27FC236}">
+                      <a16:creationId xmlns:a16="http://schemas.microsoft.com/office/drawing/2014/main" id="{A10DC064-B6A6-3D0E-1A65-8730CCE14EEB}"/>
+                    </a:ext>
+                  </a:extLst>
+                </p:cNvPr>
+                <p:cNvGrpSpPr/>
+                <p:nvPr/>
+              </p:nvGrpSpPr>
+              <p:grpSpPr>
+                <a:xfrm>
+                  <a:off x="10907974" y="3421067"/>
+                  <a:ext cx="883497" cy="2904115"/>
+                  <a:chOff x="9348863" y="3379317"/>
+                  <a:chExt cx="883497" cy="2904115"/>
+                </a:xfrm>
+              </p:grpSpPr>
+              <p:sp>
+                <p:nvSpPr>
+                  <p:cNvPr id="77" name="Title 1">
+                    <a:extLst>
+                      <a:ext uri="{FF2B5EF4-FFF2-40B4-BE49-F238E27FC236}">
+                        <a16:creationId xmlns:a16="http://schemas.microsoft.com/office/drawing/2014/main" id="{7DD8B8AF-03FC-7FD3-D74B-29C5674FA6FC}"/>
                       </a:ext>
                     </a:extLst>
                   </p:cNvPr>
@@ -11980,8 +12610,8 @@
                 </p:nvSpPr>
                 <p:spPr>
                   <a:xfrm>
-                    <a:off x="9378474" y="3386788"/>
-                    <a:ext cx="840094" cy="716990"/>
+                    <a:off x="9392265" y="3411182"/>
+                    <a:ext cx="840094" cy="676522"/>
                   </a:xfrm>
                   <a:prstGeom prst="rect">
                     <a:avLst/>
@@ -12014,7 +12644,7 @@
                   <a:p>
                     <a:pPr algn="ctr"/>
                     <a:r>
-                      <a:rPr lang="en-US" sz="2800" b="1" dirty="0">
+                      <a:rPr lang="en-US" sz="4000" b="1" dirty="0">
                         <a:solidFill>
                           <a:srgbClr val="455058"/>
                         </a:solidFill>
@@ -12022,17 +12652,25 @@
                         <a:ea typeface="Circular Book" panose="02000503000000020003" pitchFamily="2" charset="77"/>
                         <a:cs typeface="Futura Medium" panose="020B0602020204020303" pitchFamily="34" charset="-79"/>
                       </a:rPr>
-                      <a:t>+75</a:t>
+                      <a:t>+</a:t>
                     </a:r>
+                    <a:endParaRPr lang="en-US" sz="3200" b="1" dirty="0">
+                      <a:solidFill>
+                        <a:srgbClr val="455058"/>
+                      </a:solidFill>
+                      <a:latin typeface="Helvetica" pitchFamily="2" charset="0"/>
+                      <a:ea typeface="Circular Book" panose="02000503000000020003" pitchFamily="2" charset="77"/>
+                      <a:cs typeface="Futura Medium" panose="020B0602020204020303" pitchFamily="34" charset="-79"/>
+                    </a:endParaRPr>
                   </a:p>
                 </p:txBody>
               </p:sp>
               <p:sp>
                 <p:nvSpPr>
-                  <p:cNvPr id="61" name="Title 1">
+                  <p:cNvPr id="78" name="Title 1">
                     <a:extLst>
                       <a:ext uri="{FF2B5EF4-FFF2-40B4-BE49-F238E27FC236}">
-                        <a16:creationId xmlns:a16="http://schemas.microsoft.com/office/drawing/2014/main" id="{AA2FBDD8-92BB-0061-D841-E8D9F375992D}"/>
+                        <a16:creationId xmlns:a16="http://schemas.microsoft.com/office/drawing/2014/main" id="{92F4C1BA-FC3E-79B7-92CB-A666B9441AB9}"/>
                       </a:ext>
                     </a:extLst>
                   </p:cNvPr>
@@ -12043,8 +12681,8 @@
                 </p:nvSpPr>
                 <p:spPr>
                   <a:xfrm>
-                    <a:off x="9377375" y="4106384"/>
-                    <a:ext cx="841193" cy="724595"/>
+                    <a:off x="9348863" y="4129781"/>
+                    <a:ext cx="841193" cy="676522"/>
                   </a:xfrm>
                   <a:prstGeom prst="rect">
                     <a:avLst/>
@@ -12077,7 +12715,7 @@
                   <a:p>
                     <a:pPr algn="ctr"/>
                     <a:r>
-                      <a:rPr lang="en-US" sz="2800" b="1" dirty="0">
+                      <a:rPr lang="en-US" sz="4000" b="1" dirty="0">
                         <a:solidFill>
                           <a:srgbClr val="455058"/>
                         </a:solidFill>
@@ -12085,17 +12723,17 @@
                         <a:ea typeface="Circular Book" panose="02000503000000020003" pitchFamily="2" charset="77"/>
                         <a:cs typeface="Futura Medium" panose="020B0602020204020303" pitchFamily="34" charset="-79"/>
                       </a:rPr>
-                      <a:t>+25</a:t>
+                      <a:t>-</a:t>
                     </a:r>
                   </a:p>
                 </p:txBody>
               </p:sp>
               <p:sp>
                 <p:nvSpPr>
-                  <p:cNvPr id="62" name="Title 1">
+                  <p:cNvPr id="79" name="Title 1">
                     <a:extLst>
                       <a:ext uri="{FF2B5EF4-FFF2-40B4-BE49-F238E27FC236}">
-                        <a16:creationId xmlns:a16="http://schemas.microsoft.com/office/drawing/2014/main" id="{BE5508B0-7398-5C48-831A-77ACB41C8A5E}"/>
+                        <a16:creationId xmlns:a16="http://schemas.microsoft.com/office/drawing/2014/main" id="{BB67D510-49B9-E680-0B47-AD3B1CF1F9B7}"/>
                       </a:ext>
                     </a:extLst>
                   </p:cNvPr>
@@ -12106,8 +12744,8 @@
                 </p:nvSpPr>
                 <p:spPr>
                   <a:xfrm>
-                    <a:off x="9375815" y="4830979"/>
-                    <a:ext cx="842754" cy="706981"/>
+                    <a:off x="9389606" y="4860800"/>
+                    <a:ext cx="842754" cy="676522"/>
                   </a:xfrm>
                   <a:prstGeom prst="rect">
                     <a:avLst/>
@@ -12140,7 +12778,7 @@
                   <a:p>
                     <a:pPr algn="ctr"/>
                     <a:r>
-                      <a:rPr lang="en-US" sz="2800" b="1" dirty="0">
+                      <a:rPr lang="en-US" sz="4000" b="1" dirty="0">
                         <a:solidFill>
                           <a:srgbClr val="455058"/>
                         </a:solidFill>
@@ -12148,17 +12786,25 @@
                         <a:ea typeface="Circular Book" panose="02000503000000020003" pitchFamily="2" charset="77"/>
                         <a:cs typeface="Futura Medium" panose="020B0602020204020303" pitchFamily="34" charset="-79"/>
                       </a:rPr>
-                      <a:t>-25</a:t>
+                      <a:t>+</a:t>
                     </a:r>
+                    <a:endParaRPr lang="en-US" sz="3200" b="1" dirty="0">
+                      <a:solidFill>
+                        <a:srgbClr val="455058"/>
+                      </a:solidFill>
+                      <a:latin typeface="Helvetica" pitchFamily="2" charset="0"/>
+                      <a:ea typeface="Circular Book" panose="02000503000000020003" pitchFamily="2" charset="77"/>
+                      <a:cs typeface="Futura Medium" panose="020B0602020204020303" pitchFamily="34" charset="-79"/>
+                    </a:endParaRPr>
                   </a:p>
                 </p:txBody>
               </p:sp>
               <p:sp>
                 <p:nvSpPr>
-                  <p:cNvPr id="63" name="Title 1">
+                  <p:cNvPr id="80" name="Title 1">
                     <a:extLst>
                       <a:ext uri="{FF2B5EF4-FFF2-40B4-BE49-F238E27FC236}">
-                        <a16:creationId xmlns:a16="http://schemas.microsoft.com/office/drawing/2014/main" id="{FB5F03BB-0BF1-DA1A-DB1D-088C2098D092}"/>
+                        <a16:creationId xmlns:a16="http://schemas.microsoft.com/office/drawing/2014/main" id="{272952E8-4071-0586-83DB-86F09D3466BD}"/>
                       </a:ext>
                     </a:extLst>
                   </p:cNvPr>
@@ -12169,8 +12815,8 @@
                 </p:nvSpPr>
                 <p:spPr>
                   <a:xfrm>
-                    <a:off x="9375815" y="5560783"/>
-                    <a:ext cx="840094" cy="701574"/>
+                    <a:off x="9349410" y="5574021"/>
+                    <a:ext cx="840094" cy="676522"/>
                   </a:xfrm>
                   <a:prstGeom prst="rect">
                     <a:avLst/>
@@ -12203,7 +12849,7 @@
                   <a:p>
                     <a:pPr algn="ctr"/>
                     <a:r>
-                      <a:rPr lang="en-US" sz="2800" b="1" dirty="0">
+                      <a:rPr lang="en-US" sz="4000" b="1" dirty="0">
                         <a:solidFill>
                           <a:srgbClr val="455058"/>
                         </a:solidFill>
@@ -12211,17 +12857,17 @@
                         <a:ea typeface="Circular Book" panose="02000503000000020003" pitchFamily="2" charset="77"/>
                         <a:cs typeface="Futura Medium" panose="020B0602020204020303" pitchFamily="34" charset="-79"/>
                       </a:rPr>
-                      <a:t>-75</a:t>
+                      <a:t>-</a:t>
                     </a:r>
                   </a:p>
                 </p:txBody>
               </p:sp>
               <p:sp>
                 <p:nvSpPr>
-                  <p:cNvPr id="69" name="Rectangle 176">
+                  <p:cNvPr id="81" name="Rectangle 176">
                     <a:extLst>
                       <a:ext uri="{FF2B5EF4-FFF2-40B4-BE49-F238E27FC236}">
-                        <a16:creationId xmlns:a16="http://schemas.microsoft.com/office/drawing/2014/main" id="{2F5E3C2B-23A0-10F6-7C83-2A02DF09D95D}"/>
+                        <a16:creationId xmlns:a16="http://schemas.microsoft.com/office/drawing/2014/main" id="{0C7B7631-FE3E-A071-27B5-03420ADB46DC}"/>
                       </a:ext>
                     </a:extLst>
                   </p:cNvPr>
@@ -12230,7 +12876,7 @@
                 </p:nvSpPr>
                 <p:spPr>
                   <a:xfrm>
-                    <a:off x="9379398" y="3379383"/>
+                    <a:off x="9390014" y="3379317"/>
                     <a:ext cx="840094" cy="2904115"/>
                   </a:xfrm>
                   <a:prstGeom prst="rect">
@@ -12272,33 +12918,12 @@
               </p:sp>
             </p:grpSp>
           </p:grpSp>
-        </p:grpSp>
-        <p:grpSp>
-          <p:nvGrpSpPr>
-            <p:cNvPr id="123" name="Group 122">
-              <a:extLst>
-                <a:ext uri="{FF2B5EF4-FFF2-40B4-BE49-F238E27FC236}">
-                  <a16:creationId xmlns:a16="http://schemas.microsoft.com/office/drawing/2014/main" id="{40FA0749-718A-22D1-5459-9C9260DB2B99}"/>
-                </a:ext>
-              </a:extLst>
-            </p:cNvPr>
-            <p:cNvGrpSpPr/>
-            <p:nvPr/>
-          </p:nvGrpSpPr>
-          <p:grpSpPr>
-            <a:xfrm>
-              <a:off x="9770352" y="1347892"/>
-              <a:ext cx="1912305" cy="4235064"/>
-              <a:chOff x="10460292" y="2844524"/>
-              <a:chExt cx="1626577" cy="3602279"/>
-            </a:xfrm>
-          </p:grpSpPr>
           <p:sp>
             <p:nvSpPr>
-              <p:cNvPr id="14" name="Title 1">
+              <p:cNvPr id="120" name="Title 1">
                 <a:extLst>
                   <a:ext uri="{FF2B5EF4-FFF2-40B4-BE49-F238E27FC236}">
-                    <a16:creationId xmlns:a16="http://schemas.microsoft.com/office/drawing/2014/main" id="{99DA9E5D-6C57-477D-808B-C218409AF73E}"/>
+                    <a16:creationId xmlns:a16="http://schemas.microsoft.com/office/drawing/2014/main" id="{2596B377-5547-7D1F-34F1-0C2112E0F2B7}"/>
                   </a:ext>
                 </a:extLst>
               </p:cNvPr>
@@ -12309,8 +12934,71 @@
             </p:nvSpPr>
             <p:spPr>
               <a:xfrm>
-                <a:off x="10460292" y="2844524"/>
-                <a:ext cx="1626577" cy="952277"/>
+                <a:off x="10898785" y="4290950"/>
+                <a:ext cx="841193" cy="676522"/>
+              </a:xfrm>
+              <a:prstGeom prst="rect">
+                <a:avLst/>
+              </a:prstGeom>
+              <a:noFill/>
+            </p:spPr>
+            <p:txBody>
+              <a:bodyPr vert="horz" lIns="91440" tIns="45720" rIns="91440" bIns="45720" rtlCol="0" anchor="ctr">
+                <a:noAutofit/>
+              </a:bodyPr>
+              <a:lstStyle>
+                <a:lvl1pPr algn="l" defTabSz="914400" rtl="0" eaLnBrk="1" latinLnBrk="0" hangingPunct="1">
+                  <a:lnSpc>
+                    <a:spcPct val="90000"/>
+                  </a:lnSpc>
+                  <a:spcBef>
+                    <a:spcPct val="0"/>
+                  </a:spcBef>
+                  <a:buNone/>
+                  <a:defRPr sz="4400" kern="1200">
+                    <a:solidFill>
+                      <a:schemeClr val="tx1"/>
+                    </a:solidFill>
+                    <a:latin typeface="+mj-lt"/>
+                    <a:ea typeface="+mj-ea"/>
+                    <a:cs typeface="+mj-cs"/>
+                  </a:defRPr>
+                </a:lvl1pPr>
+              </a:lstStyle>
+              <a:p>
+                <a:pPr algn="ctr"/>
+                <a:r>
+                  <a:rPr lang="en-US" sz="4000" b="1" dirty="0">
+                    <a:solidFill>
+                      <a:srgbClr val="455058"/>
+                    </a:solidFill>
+                    <a:latin typeface="Helvetica" pitchFamily="2" charset="0"/>
+                    <a:ea typeface="Circular Book" panose="02000503000000020003" pitchFamily="2" charset="77"/>
+                    <a:cs typeface="Futura Medium" panose="020B0602020204020303" pitchFamily="34" charset="-79"/>
+                  </a:rPr>
+                  <a:t>-</a:t>
+                </a:r>
+              </a:p>
+            </p:txBody>
+          </p:sp>
+          <p:sp>
+            <p:nvSpPr>
+              <p:cNvPr id="121" name="Title 1">
+                <a:extLst>
+                  <a:ext uri="{FF2B5EF4-FFF2-40B4-BE49-F238E27FC236}">
+                    <a16:creationId xmlns:a16="http://schemas.microsoft.com/office/drawing/2014/main" id="{5211785B-BB04-F5F4-4FE8-3FB15E28EE6D}"/>
+                  </a:ext>
+                </a:extLst>
+              </p:cNvPr>
+              <p:cNvSpPr txBox="1">
+                <a:spLocks/>
+              </p:cNvSpPr>
+              <p:nvPr/>
+            </p:nvSpPr>
+            <p:spPr>
+              <a:xfrm>
+                <a:off x="10901050" y="5737236"/>
+                <a:ext cx="840094" cy="676522"/>
               </a:xfrm>
               <a:prstGeom prst="rect">
                 <a:avLst/>
@@ -12343,785 +13031,19 @@
               <a:p>
                 <a:pPr algn="ctr"/>
                 <a:r>
-                  <a:rPr lang="en-US" sz="2000" b="1" dirty="0">
+                  <a:rPr lang="en-US" sz="4000" b="1" dirty="0">
                     <a:solidFill>
-                      <a:schemeClr val="bg2">
-                        <a:lumMod val="25000"/>
-                      </a:schemeClr>
+                      <a:srgbClr val="455058"/>
                     </a:solidFill>
                     <a:latin typeface="Helvetica" pitchFamily="2" charset="0"/>
                     <a:ea typeface="Circular Book" panose="02000503000000020003" pitchFamily="2" charset="77"/>
                     <a:cs typeface="Futura Medium" panose="020B0602020204020303" pitchFamily="34" charset="-79"/>
                   </a:rPr>
-                  <a:t>Relative</a:t>
-                </a:r>
-              </a:p>
-              <a:p>
-                <a:pPr algn="ctr"/>
-                <a:r>
-                  <a:rPr lang="en-US" sz="2000" b="1" dirty="0">
-                    <a:solidFill>
-                      <a:schemeClr val="bg2">
-                        <a:lumMod val="25000"/>
-                      </a:schemeClr>
-                    </a:solidFill>
-                    <a:latin typeface="Helvetica" pitchFamily="2" charset="0"/>
-                    <a:ea typeface="Circular Book" panose="02000503000000020003" pitchFamily="2" charset="77"/>
-                    <a:cs typeface="Futura Medium" panose="020B0602020204020303" pitchFamily="34" charset="-79"/>
-                  </a:rPr>
-                  <a:t>Value</a:t>
+                  <a:t>-</a:t>
                 </a:r>
               </a:p>
             </p:txBody>
           </p:sp>
-          <p:grpSp>
-            <p:nvGrpSpPr>
-              <p:cNvPr id="122" name="Group 121">
-                <a:extLst>
-                  <a:ext uri="{FF2B5EF4-FFF2-40B4-BE49-F238E27FC236}">
-                    <a16:creationId xmlns:a16="http://schemas.microsoft.com/office/drawing/2014/main" id="{4A9A5FF4-BA40-0466-BE08-9DC5A1CD5547}"/>
-                  </a:ext>
-                </a:extLst>
-              </p:cNvPr>
-              <p:cNvGrpSpPr/>
-              <p:nvPr/>
-            </p:nvGrpSpPr>
-            <p:grpSpPr>
-              <a:xfrm>
-                <a:off x="10807650" y="3542688"/>
-                <a:ext cx="933494" cy="2904115"/>
-                <a:chOff x="10807650" y="3542688"/>
-                <a:chExt cx="933494" cy="2904115"/>
-              </a:xfrm>
-            </p:grpSpPr>
-            <p:grpSp>
-              <p:nvGrpSpPr>
-                <p:cNvPr id="109" name="Group 108">
-                  <a:extLst>
-                    <a:ext uri="{FF2B5EF4-FFF2-40B4-BE49-F238E27FC236}">
-                      <a16:creationId xmlns:a16="http://schemas.microsoft.com/office/drawing/2014/main" id="{5F22AE2A-E13A-8930-6595-849B75BDF60F}"/>
-                    </a:ext>
-                  </a:extLst>
-                </p:cNvPr>
-                <p:cNvGrpSpPr/>
-                <p:nvPr/>
-              </p:nvGrpSpPr>
-              <p:grpSpPr>
-                <a:xfrm>
-                  <a:off x="10807650" y="3542688"/>
-                  <a:ext cx="884626" cy="2904115"/>
-                  <a:chOff x="10907974" y="3421067"/>
-                  <a:chExt cx="884626" cy="2904115"/>
-                </a:xfrm>
-              </p:grpSpPr>
-              <p:grpSp>
-                <p:nvGrpSpPr>
-                  <p:cNvPr id="92" name="Group 91">
-                    <a:extLst>
-                      <a:ext uri="{FF2B5EF4-FFF2-40B4-BE49-F238E27FC236}">
-                        <a16:creationId xmlns:a16="http://schemas.microsoft.com/office/drawing/2014/main" id="{5FF8499B-7315-CB53-1B8F-1D4BBB27B509}"/>
-                      </a:ext>
-                    </a:extLst>
-                  </p:cNvPr>
-                  <p:cNvGrpSpPr/>
-                  <p:nvPr/>
-                </p:nvGrpSpPr>
-                <p:grpSpPr>
-                  <a:xfrm>
-                    <a:off x="10952505" y="3429000"/>
-                    <a:ext cx="840095" cy="2895788"/>
-                    <a:chOff x="10952505" y="3429000"/>
-                    <a:chExt cx="840095" cy="2895788"/>
-                  </a:xfrm>
-                </p:grpSpPr>
-                <p:sp>
-                  <p:nvSpPr>
-                    <p:cNvPr id="88" name="Rectangle 176">
-                      <a:extLst>
-                        <a:ext uri="{FF2B5EF4-FFF2-40B4-BE49-F238E27FC236}">
-                          <a16:creationId xmlns:a16="http://schemas.microsoft.com/office/drawing/2014/main" id="{19C856A1-18A3-0800-B637-2A4F3A31C951}"/>
-                        </a:ext>
-                      </a:extLst>
-                    </p:cNvPr>
-                    <p:cNvSpPr/>
-                    <p:nvPr/>
-                  </p:nvSpPr>
-                  <p:spPr>
-                    <a:xfrm>
-                      <a:off x="10952506" y="3429000"/>
-                      <a:ext cx="840094" cy="727200"/>
-                    </a:xfrm>
-                    <a:prstGeom prst="rect">
-                      <a:avLst/>
-                    </a:prstGeom>
-                    <a:solidFill>
-                      <a:srgbClr val="8CD3C7">
-                        <a:alpha val="50196"/>
-                      </a:srgbClr>
-                    </a:solidFill>
-                    <a:ln>
-                      <a:noFill/>
-                    </a:ln>
-                  </p:spPr>
-                  <p:style>
-                    <a:lnRef idx="2">
-                      <a:schemeClr val="accent1">
-                        <a:shade val="15000"/>
-                      </a:schemeClr>
-                    </a:lnRef>
-                    <a:fillRef idx="1">
-                      <a:schemeClr val="accent1"/>
-                    </a:fillRef>
-                    <a:effectRef idx="0">
-                      <a:schemeClr val="accent1"/>
-                    </a:effectRef>
-                    <a:fontRef idx="minor">
-                      <a:schemeClr val="lt1"/>
-                    </a:fontRef>
-                  </p:style>
-                  <p:txBody>
-                    <a:bodyPr rtlCol="0" anchor="ctr"/>
-                    <a:lstStyle/>
-                    <a:p>
-                      <a:pPr algn="ctr"/>
-                      <a:endParaRPr lang="en-US" dirty="0"/>
-                    </a:p>
-                  </p:txBody>
-                </p:sp>
-                <p:sp>
-                  <p:nvSpPr>
-                    <p:cNvPr id="89" name="Rectangle 176">
-                      <a:extLst>
-                        <a:ext uri="{FF2B5EF4-FFF2-40B4-BE49-F238E27FC236}">
-                          <a16:creationId xmlns:a16="http://schemas.microsoft.com/office/drawing/2014/main" id="{9BC621DF-C729-EF41-4108-397D3B62563B}"/>
-                        </a:ext>
-                      </a:extLst>
-                    </p:cNvPr>
-                    <p:cNvSpPr/>
-                    <p:nvPr/>
-                  </p:nvSpPr>
-                  <p:spPr>
-                    <a:xfrm>
-                      <a:off x="10952506" y="4153397"/>
-                      <a:ext cx="840094" cy="727200"/>
-                    </a:xfrm>
-                    <a:prstGeom prst="rect">
-                      <a:avLst/>
-                    </a:prstGeom>
-                    <a:solidFill>
-                      <a:srgbClr val="FA8173">
-                        <a:alpha val="50196"/>
-                      </a:srgbClr>
-                    </a:solidFill>
-                    <a:ln>
-                      <a:noFill/>
-                    </a:ln>
-                  </p:spPr>
-                  <p:style>
-                    <a:lnRef idx="2">
-                      <a:schemeClr val="accent1">
-                        <a:shade val="15000"/>
-                      </a:schemeClr>
-                    </a:lnRef>
-                    <a:fillRef idx="1">
-                      <a:schemeClr val="accent1"/>
-                    </a:fillRef>
-                    <a:effectRef idx="0">
-                      <a:schemeClr val="accent1"/>
-                    </a:effectRef>
-                    <a:fontRef idx="minor">
-                      <a:schemeClr val="lt1"/>
-                    </a:fontRef>
-                  </p:style>
-                  <p:txBody>
-                    <a:bodyPr rtlCol="0" anchor="ctr"/>
-                    <a:lstStyle/>
-                    <a:p>
-                      <a:pPr algn="ctr"/>
-                      <a:endParaRPr lang="en-US" dirty="0"/>
-                    </a:p>
-                  </p:txBody>
-                </p:sp>
-                <p:sp>
-                  <p:nvSpPr>
-                    <p:cNvPr id="90" name="Rectangle 176">
-                      <a:extLst>
-                        <a:ext uri="{FF2B5EF4-FFF2-40B4-BE49-F238E27FC236}">
-                          <a16:creationId xmlns:a16="http://schemas.microsoft.com/office/drawing/2014/main" id="{8E53B76D-B1F3-63BD-F439-BDC15C2160CC}"/>
-                        </a:ext>
-                      </a:extLst>
-                    </p:cNvPr>
-                    <p:cNvSpPr/>
-                    <p:nvPr/>
-                  </p:nvSpPr>
-                  <p:spPr>
-                    <a:xfrm>
-                      <a:off x="10952506" y="4873191"/>
-                      <a:ext cx="840094" cy="727200"/>
-                    </a:xfrm>
-                    <a:prstGeom prst="rect">
-                      <a:avLst/>
-                    </a:prstGeom>
-                    <a:solidFill>
-                      <a:srgbClr val="8CD3C7">
-                        <a:alpha val="50196"/>
-                      </a:srgbClr>
-                    </a:solidFill>
-                    <a:ln>
-                      <a:noFill/>
-                    </a:ln>
-                  </p:spPr>
-                  <p:style>
-                    <a:lnRef idx="2">
-                      <a:schemeClr val="accent1">
-                        <a:shade val="15000"/>
-                      </a:schemeClr>
-                    </a:lnRef>
-                    <a:fillRef idx="1">
-                      <a:schemeClr val="accent1"/>
-                    </a:fillRef>
-                    <a:effectRef idx="0">
-                      <a:schemeClr val="accent1"/>
-                    </a:effectRef>
-                    <a:fontRef idx="minor">
-                      <a:schemeClr val="lt1"/>
-                    </a:fontRef>
-                  </p:style>
-                  <p:txBody>
-                    <a:bodyPr rtlCol="0" anchor="ctr"/>
-                    <a:lstStyle/>
-                    <a:p>
-                      <a:pPr algn="ctr"/>
-                      <a:endParaRPr lang="en-US" dirty="0"/>
-                    </a:p>
-                  </p:txBody>
-                </p:sp>
-                <p:sp>
-                  <p:nvSpPr>
-                    <p:cNvPr id="91" name="Rectangle 176">
-                      <a:extLst>
-                        <a:ext uri="{FF2B5EF4-FFF2-40B4-BE49-F238E27FC236}">
-                          <a16:creationId xmlns:a16="http://schemas.microsoft.com/office/drawing/2014/main" id="{E2F92E86-728D-51E6-8C76-E6C9B40B967B}"/>
-                        </a:ext>
-                      </a:extLst>
-                    </p:cNvPr>
-                    <p:cNvSpPr/>
-                    <p:nvPr/>
-                  </p:nvSpPr>
-                  <p:spPr>
-                    <a:xfrm>
-                      <a:off x="10952505" y="5597588"/>
-                      <a:ext cx="840094" cy="727200"/>
-                    </a:xfrm>
-                    <a:prstGeom prst="rect">
-                      <a:avLst/>
-                    </a:prstGeom>
-                    <a:solidFill>
-                      <a:srgbClr val="FA8173">
-                        <a:alpha val="50196"/>
-                      </a:srgbClr>
-                    </a:solidFill>
-                    <a:ln>
-                      <a:noFill/>
-                    </a:ln>
-                  </p:spPr>
-                  <p:style>
-                    <a:lnRef idx="2">
-                      <a:schemeClr val="accent1">
-                        <a:shade val="15000"/>
-                      </a:schemeClr>
-                    </a:lnRef>
-                    <a:fillRef idx="1">
-                      <a:schemeClr val="accent1"/>
-                    </a:fillRef>
-                    <a:effectRef idx="0">
-                      <a:schemeClr val="accent1"/>
-                    </a:effectRef>
-                    <a:fontRef idx="minor">
-                      <a:schemeClr val="lt1"/>
-                    </a:fontRef>
-                  </p:style>
-                  <p:txBody>
-                    <a:bodyPr rtlCol="0" anchor="ctr"/>
-                    <a:lstStyle/>
-                    <a:p>
-                      <a:pPr algn="ctr"/>
-                      <a:endParaRPr lang="en-US" dirty="0"/>
-                    </a:p>
-                  </p:txBody>
-                </p:sp>
-              </p:grpSp>
-              <p:grpSp>
-                <p:nvGrpSpPr>
-                  <p:cNvPr id="76" name="Group 75">
-                    <a:extLst>
-                      <a:ext uri="{FF2B5EF4-FFF2-40B4-BE49-F238E27FC236}">
-                        <a16:creationId xmlns:a16="http://schemas.microsoft.com/office/drawing/2014/main" id="{A10DC064-B6A6-3D0E-1A65-8730CCE14EEB}"/>
-                      </a:ext>
-                    </a:extLst>
-                  </p:cNvPr>
-                  <p:cNvGrpSpPr/>
-                  <p:nvPr/>
-                </p:nvGrpSpPr>
-                <p:grpSpPr>
-                  <a:xfrm>
-                    <a:off x="10907974" y="3421067"/>
-                    <a:ext cx="883497" cy="2904115"/>
-                    <a:chOff x="9348863" y="3379317"/>
-                    <a:chExt cx="883497" cy="2904115"/>
-                  </a:xfrm>
-                </p:grpSpPr>
-                <p:sp>
-                  <p:nvSpPr>
-                    <p:cNvPr id="77" name="Title 1">
-                      <a:extLst>
-                        <a:ext uri="{FF2B5EF4-FFF2-40B4-BE49-F238E27FC236}">
-                          <a16:creationId xmlns:a16="http://schemas.microsoft.com/office/drawing/2014/main" id="{7DD8B8AF-03FC-7FD3-D74B-29C5674FA6FC}"/>
-                        </a:ext>
-                      </a:extLst>
-                    </p:cNvPr>
-                    <p:cNvSpPr txBox="1">
-                      <a:spLocks/>
-                    </p:cNvSpPr>
-                    <p:nvPr/>
-                  </p:nvSpPr>
-                  <p:spPr>
-                    <a:xfrm>
-                      <a:off x="9392265" y="3411182"/>
-                      <a:ext cx="840094" cy="676522"/>
-                    </a:xfrm>
-                    <a:prstGeom prst="rect">
-                      <a:avLst/>
-                    </a:prstGeom>
-                    <a:noFill/>
-                  </p:spPr>
-                  <p:txBody>
-                    <a:bodyPr vert="horz" lIns="91440" tIns="45720" rIns="91440" bIns="45720" rtlCol="0" anchor="ctr">
-                      <a:normAutofit/>
-                    </a:bodyPr>
-                    <a:lstStyle>
-                      <a:lvl1pPr algn="l" defTabSz="914400" rtl="0" eaLnBrk="1" latinLnBrk="0" hangingPunct="1">
-                        <a:lnSpc>
-                          <a:spcPct val="90000"/>
-                        </a:lnSpc>
-                        <a:spcBef>
-                          <a:spcPct val="0"/>
-                        </a:spcBef>
-                        <a:buNone/>
-                        <a:defRPr sz="4400" kern="1200">
-                          <a:solidFill>
-                            <a:schemeClr val="tx1"/>
-                          </a:solidFill>
-                          <a:latin typeface="+mj-lt"/>
-                          <a:ea typeface="+mj-ea"/>
-                          <a:cs typeface="+mj-cs"/>
-                        </a:defRPr>
-                      </a:lvl1pPr>
-                    </a:lstStyle>
-                    <a:p>
-                      <a:pPr algn="ctr"/>
-                      <a:r>
-                        <a:rPr lang="en-US" sz="4000" b="1" dirty="0">
-                          <a:solidFill>
-                            <a:srgbClr val="455058"/>
-                          </a:solidFill>
-                          <a:latin typeface="Helvetica" pitchFamily="2" charset="0"/>
-                          <a:ea typeface="Circular Book" panose="02000503000000020003" pitchFamily="2" charset="77"/>
-                          <a:cs typeface="Futura Medium" panose="020B0602020204020303" pitchFamily="34" charset="-79"/>
-                        </a:rPr>
-                        <a:t>+</a:t>
-                      </a:r>
-                      <a:endParaRPr lang="en-US" sz="3200" b="1" dirty="0">
-                        <a:solidFill>
-                          <a:srgbClr val="455058"/>
-                        </a:solidFill>
-                        <a:latin typeface="Helvetica" pitchFamily="2" charset="0"/>
-                        <a:ea typeface="Circular Book" panose="02000503000000020003" pitchFamily="2" charset="77"/>
-                        <a:cs typeface="Futura Medium" panose="020B0602020204020303" pitchFamily="34" charset="-79"/>
-                      </a:endParaRPr>
-                    </a:p>
-                  </p:txBody>
-                </p:sp>
-                <p:sp>
-                  <p:nvSpPr>
-                    <p:cNvPr id="78" name="Title 1">
-                      <a:extLst>
-                        <a:ext uri="{FF2B5EF4-FFF2-40B4-BE49-F238E27FC236}">
-                          <a16:creationId xmlns:a16="http://schemas.microsoft.com/office/drawing/2014/main" id="{92F4C1BA-FC3E-79B7-92CB-A666B9441AB9}"/>
-                        </a:ext>
-                      </a:extLst>
-                    </p:cNvPr>
-                    <p:cNvSpPr txBox="1">
-                      <a:spLocks/>
-                    </p:cNvSpPr>
-                    <p:nvPr/>
-                  </p:nvSpPr>
-                  <p:spPr>
-                    <a:xfrm>
-                      <a:off x="9348863" y="4129781"/>
-                      <a:ext cx="841193" cy="676522"/>
-                    </a:xfrm>
-                    <a:prstGeom prst="rect">
-                      <a:avLst/>
-                    </a:prstGeom>
-                    <a:noFill/>
-                  </p:spPr>
-                  <p:txBody>
-                    <a:bodyPr vert="horz" lIns="91440" tIns="45720" rIns="91440" bIns="45720" rtlCol="0" anchor="ctr">
-                      <a:noAutofit/>
-                    </a:bodyPr>
-                    <a:lstStyle>
-                      <a:lvl1pPr algn="l" defTabSz="914400" rtl="0" eaLnBrk="1" latinLnBrk="0" hangingPunct="1">
-                        <a:lnSpc>
-                          <a:spcPct val="90000"/>
-                        </a:lnSpc>
-                        <a:spcBef>
-                          <a:spcPct val="0"/>
-                        </a:spcBef>
-                        <a:buNone/>
-                        <a:defRPr sz="4400" kern="1200">
-                          <a:solidFill>
-                            <a:schemeClr val="tx1"/>
-                          </a:solidFill>
-                          <a:latin typeface="+mj-lt"/>
-                          <a:ea typeface="+mj-ea"/>
-                          <a:cs typeface="+mj-cs"/>
-                        </a:defRPr>
-                      </a:lvl1pPr>
-                    </a:lstStyle>
-                    <a:p>
-                      <a:pPr algn="ctr"/>
-                      <a:r>
-                        <a:rPr lang="en-US" sz="4000" b="1" dirty="0">
-                          <a:solidFill>
-                            <a:srgbClr val="455058"/>
-                          </a:solidFill>
-                          <a:latin typeface="Helvetica" pitchFamily="2" charset="0"/>
-                          <a:ea typeface="Circular Book" panose="02000503000000020003" pitchFamily="2" charset="77"/>
-                          <a:cs typeface="Futura Medium" panose="020B0602020204020303" pitchFamily="34" charset="-79"/>
-                        </a:rPr>
-                        <a:t>-</a:t>
-                      </a:r>
-                    </a:p>
-                  </p:txBody>
-                </p:sp>
-                <p:sp>
-                  <p:nvSpPr>
-                    <p:cNvPr id="79" name="Title 1">
-                      <a:extLst>
-                        <a:ext uri="{FF2B5EF4-FFF2-40B4-BE49-F238E27FC236}">
-                          <a16:creationId xmlns:a16="http://schemas.microsoft.com/office/drawing/2014/main" id="{BB67D510-49B9-E680-0B47-AD3B1CF1F9B7}"/>
-                        </a:ext>
-                      </a:extLst>
-                    </p:cNvPr>
-                    <p:cNvSpPr txBox="1">
-                      <a:spLocks/>
-                    </p:cNvSpPr>
-                    <p:nvPr/>
-                  </p:nvSpPr>
-                  <p:spPr>
-                    <a:xfrm>
-                      <a:off x="9389606" y="4860800"/>
-                      <a:ext cx="842754" cy="676522"/>
-                    </a:xfrm>
-                    <a:prstGeom prst="rect">
-                      <a:avLst/>
-                    </a:prstGeom>
-                    <a:noFill/>
-                  </p:spPr>
-                  <p:txBody>
-                    <a:bodyPr vert="horz" lIns="91440" tIns="45720" rIns="91440" bIns="45720" rtlCol="0" anchor="ctr">
-                      <a:normAutofit/>
-                    </a:bodyPr>
-                    <a:lstStyle>
-                      <a:lvl1pPr algn="l" defTabSz="914400" rtl="0" eaLnBrk="1" latinLnBrk="0" hangingPunct="1">
-                        <a:lnSpc>
-                          <a:spcPct val="90000"/>
-                        </a:lnSpc>
-                        <a:spcBef>
-                          <a:spcPct val="0"/>
-                        </a:spcBef>
-                        <a:buNone/>
-                        <a:defRPr sz="4400" kern="1200">
-                          <a:solidFill>
-                            <a:schemeClr val="tx1"/>
-                          </a:solidFill>
-                          <a:latin typeface="+mj-lt"/>
-                          <a:ea typeface="+mj-ea"/>
-                          <a:cs typeface="+mj-cs"/>
-                        </a:defRPr>
-                      </a:lvl1pPr>
-                    </a:lstStyle>
-                    <a:p>
-                      <a:pPr algn="ctr"/>
-                      <a:r>
-                        <a:rPr lang="en-US" sz="4000" b="1" dirty="0">
-                          <a:solidFill>
-                            <a:srgbClr val="455058"/>
-                          </a:solidFill>
-                          <a:latin typeface="Helvetica" pitchFamily="2" charset="0"/>
-                          <a:ea typeface="Circular Book" panose="02000503000000020003" pitchFamily="2" charset="77"/>
-                          <a:cs typeface="Futura Medium" panose="020B0602020204020303" pitchFamily="34" charset="-79"/>
-                        </a:rPr>
-                        <a:t>+</a:t>
-                      </a:r>
-                      <a:endParaRPr lang="en-US" sz="3200" b="1" dirty="0">
-                        <a:solidFill>
-                          <a:srgbClr val="455058"/>
-                        </a:solidFill>
-                        <a:latin typeface="Helvetica" pitchFamily="2" charset="0"/>
-                        <a:ea typeface="Circular Book" panose="02000503000000020003" pitchFamily="2" charset="77"/>
-                        <a:cs typeface="Futura Medium" panose="020B0602020204020303" pitchFamily="34" charset="-79"/>
-                      </a:endParaRPr>
-                    </a:p>
-                  </p:txBody>
-                </p:sp>
-                <p:sp>
-                  <p:nvSpPr>
-                    <p:cNvPr id="80" name="Title 1">
-                      <a:extLst>
-                        <a:ext uri="{FF2B5EF4-FFF2-40B4-BE49-F238E27FC236}">
-                          <a16:creationId xmlns:a16="http://schemas.microsoft.com/office/drawing/2014/main" id="{272952E8-4071-0586-83DB-86F09D3466BD}"/>
-                        </a:ext>
-                      </a:extLst>
-                    </p:cNvPr>
-                    <p:cNvSpPr txBox="1">
-                      <a:spLocks/>
-                    </p:cNvSpPr>
-                    <p:nvPr/>
-                  </p:nvSpPr>
-                  <p:spPr>
-                    <a:xfrm>
-                      <a:off x="9349410" y="5574021"/>
-                      <a:ext cx="840094" cy="676522"/>
-                    </a:xfrm>
-                    <a:prstGeom prst="rect">
-                      <a:avLst/>
-                    </a:prstGeom>
-                    <a:noFill/>
-                  </p:spPr>
-                  <p:txBody>
-                    <a:bodyPr vert="horz" lIns="91440" tIns="45720" rIns="91440" bIns="45720" rtlCol="0" anchor="ctr">
-                      <a:normAutofit/>
-                    </a:bodyPr>
-                    <a:lstStyle>
-                      <a:lvl1pPr algn="l" defTabSz="914400" rtl="0" eaLnBrk="1" latinLnBrk="0" hangingPunct="1">
-                        <a:lnSpc>
-                          <a:spcPct val="90000"/>
-                        </a:lnSpc>
-                        <a:spcBef>
-                          <a:spcPct val="0"/>
-                        </a:spcBef>
-                        <a:buNone/>
-                        <a:defRPr sz="4400" kern="1200">
-                          <a:solidFill>
-                            <a:schemeClr val="tx1"/>
-                          </a:solidFill>
-                          <a:latin typeface="+mj-lt"/>
-                          <a:ea typeface="+mj-ea"/>
-                          <a:cs typeface="+mj-cs"/>
-                        </a:defRPr>
-                      </a:lvl1pPr>
-                    </a:lstStyle>
-                    <a:p>
-                      <a:pPr algn="ctr"/>
-                      <a:r>
-                        <a:rPr lang="en-US" sz="4000" b="1" dirty="0">
-                          <a:solidFill>
-                            <a:srgbClr val="455058"/>
-                          </a:solidFill>
-                          <a:latin typeface="Helvetica" pitchFamily="2" charset="0"/>
-                          <a:ea typeface="Circular Book" panose="02000503000000020003" pitchFamily="2" charset="77"/>
-                          <a:cs typeface="Futura Medium" panose="020B0602020204020303" pitchFamily="34" charset="-79"/>
-                        </a:rPr>
-                        <a:t>-</a:t>
-                      </a:r>
-                    </a:p>
-                  </p:txBody>
-                </p:sp>
-                <p:sp>
-                  <p:nvSpPr>
-                    <p:cNvPr id="81" name="Rectangle 176">
-                      <a:extLst>
-                        <a:ext uri="{FF2B5EF4-FFF2-40B4-BE49-F238E27FC236}">
-                          <a16:creationId xmlns:a16="http://schemas.microsoft.com/office/drawing/2014/main" id="{0C7B7631-FE3E-A071-27B5-03420ADB46DC}"/>
-                        </a:ext>
-                      </a:extLst>
-                    </p:cNvPr>
-                    <p:cNvSpPr/>
-                    <p:nvPr/>
-                  </p:nvSpPr>
-                  <p:spPr>
-                    <a:xfrm>
-                      <a:off x="9390014" y="3379317"/>
-                      <a:ext cx="840094" cy="2904115"/>
-                    </a:xfrm>
-                    <a:prstGeom prst="rect">
-                      <a:avLst/>
-                    </a:prstGeom>
-                    <a:noFill/>
-                    <a:ln>
-                      <a:solidFill>
-                        <a:schemeClr val="bg2">
-                          <a:lumMod val="75000"/>
-                        </a:schemeClr>
-                      </a:solidFill>
-                    </a:ln>
-                  </p:spPr>
-                  <p:style>
-                    <a:lnRef idx="2">
-                      <a:schemeClr val="accent1">
-                        <a:shade val="15000"/>
-                      </a:schemeClr>
-                    </a:lnRef>
-                    <a:fillRef idx="1">
-                      <a:schemeClr val="accent1"/>
-                    </a:fillRef>
-                    <a:effectRef idx="0">
-                      <a:schemeClr val="accent1"/>
-                    </a:effectRef>
-                    <a:fontRef idx="minor">
-                      <a:schemeClr val="lt1"/>
-                    </a:fontRef>
-                  </p:style>
-                  <p:txBody>
-                    <a:bodyPr rtlCol="0" anchor="ctr"/>
-                    <a:lstStyle/>
-                    <a:p>
-                      <a:pPr algn="ctr"/>
-                      <a:endParaRPr lang="en-US"/>
-                    </a:p>
-                  </p:txBody>
-                </p:sp>
-              </p:grpSp>
-            </p:grpSp>
-            <p:sp>
-              <p:nvSpPr>
-                <p:cNvPr id="120" name="Title 1">
-                  <a:extLst>
-                    <a:ext uri="{FF2B5EF4-FFF2-40B4-BE49-F238E27FC236}">
-                      <a16:creationId xmlns:a16="http://schemas.microsoft.com/office/drawing/2014/main" id="{2596B377-5547-7D1F-34F1-0C2112E0F2B7}"/>
-                    </a:ext>
-                  </a:extLst>
-                </p:cNvPr>
-                <p:cNvSpPr txBox="1">
-                  <a:spLocks/>
-                </p:cNvSpPr>
-                <p:nvPr/>
-              </p:nvSpPr>
-              <p:spPr>
-                <a:xfrm>
-                  <a:off x="10898785" y="4290950"/>
-                  <a:ext cx="841193" cy="676522"/>
-                </a:xfrm>
-                <a:prstGeom prst="rect">
-                  <a:avLst/>
-                </a:prstGeom>
-                <a:noFill/>
-              </p:spPr>
-              <p:txBody>
-                <a:bodyPr vert="horz" lIns="91440" tIns="45720" rIns="91440" bIns="45720" rtlCol="0" anchor="ctr">
-                  <a:noAutofit/>
-                </a:bodyPr>
-                <a:lstStyle>
-                  <a:lvl1pPr algn="l" defTabSz="914400" rtl="0" eaLnBrk="1" latinLnBrk="0" hangingPunct="1">
-                    <a:lnSpc>
-                      <a:spcPct val="90000"/>
-                    </a:lnSpc>
-                    <a:spcBef>
-                      <a:spcPct val="0"/>
-                    </a:spcBef>
-                    <a:buNone/>
-                    <a:defRPr sz="4400" kern="1200">
-                      <a:solidFill>
-                        <a:schemeClr val="tx1"/>
-                      </a:solidFill>
-                      <a:latin typeface="+mj-lt"/>
-                      <a:ea typeface="+mj-ea"/>
-                      <a:cs typeface="+mj-cs"/>
-                    </a:defRPr>
-                  </a:lvl1pPr>
-                </a:lstStyle>
-                <a:p>
-                  <a:pPr algn="ctr"/>
-                  <a:r>
-                    <a:rPr lang="en-US" sz="4000" b="1" dirty="0">
-                      <a:solidFill>
-                        <a:srgbClr val="455058"/>
-                      </a:solidFill>
-                      <a:latin typeface="Helvetica" pitchFamily="2" charset="0"/>
-                      <a:ea typeface="Circular Book" panose="02000503000000020003" pitchFamily="2" charset="77"/>
-                      <a:cs typeface="Futura Medium" panose="020B0602020204020303" pitchFamily="34" charset="-79"/>
-                    </a:rPr>
-                    <a:t>-</a:t>
-                  </a:r>
-                </a:p>
-              </p:txBody>
-            </p:sp>
-            <p:sp>
-              <p:nvSpPr>
-                <p:cNvPr id="121" name="Title 1">
-                  <a:extLst>
-                    <a:ext uri="{FF2B5EF4-FFF2-40B4-BE49-F238E27FC236}">
-                      <a16:creationId xmlns:a16="http://schemas.microsoft.com/office/drawing/2014/main" id="{5211785B-BB04-F5F4-4FE8-3FB15E28EE6D}"/>
-                    </a:ext>
-                  </a:extLst>
-                </p:cNvPr>
-                <p:cNvSpPr txBox="1">
-                  <a:spLocks/>
-                </p:cNvSpPr>
-                <p:nvPr/>
-              </p:nvSpPr>
-              <p:spPr>
-                <a:xfrm>
-                  <a:off x="10901050" y="5737236"/>
-                  <a:ext cx="840094" cy="676522"/>
-                </a:xfrm>
-                <a:prstGeom prst="rect">
-                  <a:avLst/>
-                </a:prstGeom>
-                <a:noFill/>
-              </p:spPr>
-              <p:txBody>
-                <a:bodyPr vert="horz" lIns="91440" tIns="45720" rIns="91440" bIns="45720" rtlCol="0" anchor="ctr">
-                  <a:normAutofit/>
-                </a:bodyPr>
-                <a:lstStyle>
-                  <a:lvl1pPr algn="l" defTabSz="914400" rtl="0" eaLnBrk="1" latinLnBrk="0" hangingPunct="1">
-                    <a:lnSpc>
-                      <a:spcPct val="90000"/>
-                    </a:lnSpc>
-                    <a:spcBef>
-                      <a:spcPct val="0"/>
-                    </a:spcBef>
-                    <a:buNone/>
-                    <a:defRPr sz="4400" kern="1200">
-                      <a:solidFill>
-                        <a:schemeClr val="tx1"/>
-                      </a:solidFill>
-                      <a:latin typeface="+mj-lt"/>
-                      <a:ea typeface="+mj-ea"/>
-                      <a:cs typeface="+mj-cs"/>
-                    </a:defRPr>
-                  </a:lvl1pPr>
-                </a:lstStyle>
-                <a:p>
-                  <a:pPr algn="ctr"/>
-                  <a:r>
-                    <a:rPr lang="en-US" sz="4000" b="1" dirty="0">
-                      <a:solidFill>
-                        <a:srgbClr val="455058"/>
-                      </a:solidFill>
-                      <a:latin typeface="Helvetica" pitchFamily="2" charset="0"/>
-                      <a:ea typeface="Circular Book" panose="02000503000000020003" pitchFamily="2" charset="77"/>
-                      <a:cs typeface="Futura Medium" panose="020B0602020204020303" pitchFamily="34" charset="-79"/>
-                    </a:rPr>
-                    <a:t>-</a:t>
-                  </a:r>
-                </a:p>
-              </p:txBody>
-            </p:sp>
-          </p:grpSp>
         </p:grpSp>
       </p:grpSp>
       <p:sp>
@@ -13325,6 +13247,194 @@
                 </a:schemeClr>
               </a:solidFill>
             </a:endParaRPr>
+          </a:p>
+        </p:txBody>
+      </p:sp>
+      <p:sp>
+        <p:nvSpPr>
+          <p:cNvPr id="16" name="TextBox 15">
+            <a:extLst>
+              <a:ext uri="{FF2B5EF4-FFF2-40B4-BE49-F238E27FC236}">
+                <a16:creationId xmlns:a16="http://schemas.microsoft.com/office/drawing/2014/main" id="{1C4E6353-D570-24B3-9E3A-323FA0217257}"/>
+              </a:ext>
+            </a:extLst>
+          </p:cNvPr>
+          <p:cNvSpPr txBox="1"/>
+          <p:nvPr/>
+        </p:nvSpPr>
+        <p:spPr>
+          <a:xfrm>
+            <a:off x="7464103" y="1941985"/>
+            <a:ext cx="990000" cy="584775"/>
+          </a:xfrm>
+          <a:prstGeom prst="rect">
+            <a:avLst/>
+          </a:prstGeom>
+          <a:noFill/>
+        </p:spPr>
+        <p:txBody>
+          <a:bodyPr wrap="square" rtlCol="0" anchor="ctr">
+            <a:spAutoFit/>
+          </a:bodyPr>
+          <a:lstStyle/>
+          <a:p>
+            <a:pPr algn="ctr"/>
+            <a:r>
+              <a:rPr lang="en-CA" sz="1600" b="1" dirty="0">
+                <a:latin typeface="Helvetica" pitchFamily="2" charset="0"/>
+              </a:rPr>
+              <a:t>High</a:t>
+            </a:r>
+          </a:p>
+          <a:p>
+            <a:pPr algn="ctr"/>
+            <a:r>
+              <a:rPr lang="en-CA" sz="1600" b="1" dirty="0">
+                <a:latin typeface="Helvetica" pitchFamily="2" charset="0"/>
+              </a:rPr>
+              <a:t>Reward</a:t>
+            </a:r>
+          </a:p>
+        </p:txBody>
+      </p:sp>
+      <p:sp>
+        <p:nvSpPr>
+          <p:cNvPr id="22" name="TextBox 21">
+            <a:extLst>
+              <a:ext uri="{FF2B5EF4-FFF2-40B4-BE49-F238E27FC236}">
+                <a16:creationId xmlns:a16="http://schemas.microsoft.com/office/drawing/2014/main" id="{5CB023A5-267D-2AB3-8483-ABFAFB92CEA2}"/>
+              </a:ext>
+            </a:extLst>
+          </p:cNvPr>
+          <p:cNvSpPr txBox="1"/>
+          <p:nvPr/>
+        </p:nvSpPr>
+        <p:spPr>
+          <a:xfrm>
+            <a:off x="7464103" y="2975354"/>
+            <a:ext cx="990000" cy="584775"/>
+          </a:xfrm>
+          <a:prstGeom prst="rect">
+            <a:avLst/>
+          </a:prstGeom>
+          <a:noFill/>
+        </p:spPr>
+        <p:txBody>
+          <a:bodyPr wrap="square" rtlCol="0" anchor="ctr">
+            <a:spAutoFit/>
+          </a:bodyPr>
+          <a:lstStyle/>
+          <a:p>
+            <a:pPr algn="ctr"/>
+            <a:r>
+              <a:rPr lang="en-CA" sz="1600" b="1" dirty="0">
+                <a:latin typeface="Helvetica" pitchFamily="2" charset="0"/>
+              </a:rPr>
+              <a:t>Low</a:t>
+            </a:r>
+          </a:p>
+          <a:p>
+            <a:pPr algn="ctr"/>
+            <a:r>
+              <a:rPr lang="en-CA" sz="1600" b="1" dirty="0">
+                <a:latin typeface="Helvetica" pitchFamily="2" charset="0"/>
+              </a:rPr>
+              <a:t>Reward</a:t>
+            </a:r>
+          </a:p>
+        </p:txBody>
+      </p:sp>
+      <p:sp>
+        <p:nvSpPr>
+          <p:cNvPr id="26" name="TextBox 25">
+            <a:extLst>
+              <a:ext uri="{FF2B5EF4-FFF2-40B4-BE49-F238E27FC236}">
+                <a16:creationId xmlns:a16="http://schemas.microsoft.com/office/drawing/2014/main" id="{6090C0E2-D973-C18B-F5E1-777F10ED176A}"/>
+              </a:ext>
+            </a:extLst>
+          </p:cNvPr>
+          <p:cNvSpPr txBox="1"/>
+          <p:nvPr/>
+        </p:nvSpPr>
+        <p:spPr>
+          <a:xfrm>
+            <a:off x="7470199" y="4033107"/>
+            <a:ext cx="990000" cy="584775"/>
+          </a:xfrm>
+          <a:prstGeom prst="rect">
+            <a:avLst/>
+          </a:prstGeom>
+          <a:noFill/>
+        </p:spPr>
+        <p:txBody>
+          <a:bodyPr wrap="square" rtlCol="0" anchor="ctr">
+            <a:spAutoFit/>
+          </a:bodyPr>
+          <a:lstStyle/>
+          <a:p>
+            <a:pPr algn="ctr"/>
+            <a:r>
+              <a:rPr lang="en-CA" sz="1600" b="1" dirty="0">
+                <a:latin typeface="Helvetica" pitchFamily="2" charset="0"/>
+              </a:rPr>
+              <a:t>Low</a:t>
+            </a:r>
+          </a:p>
+          <a:p>
+            <a:pPr algn="ctr"/>
+            <a:r>
+              <a:rPr lang="en-CA" sz="1600" b="1" dirty="0">
+                <a:latin typeface="Helvetica" pitchFamily="2" charset="0"/>
+              </a:rPr>
+              <a:t>Punish</a:t>
+            </a:r>
+          </a:p>
+        </p:txBody>
+      </p:sp>
+      <p:sp>
+        <p:nvSpPr>
+          <p:cNvPr id="27" name="TextBox 26">
+            <a:extLst>
+              <a:ext uri="{FF2B5EF4-FFF2-40B4-BE49-F238E27FC236}">
+                <a16:creationId xmlns:a16="http://schemas.microsoft.com/office/drawing/2014/main" id="{1B05A679-BE78-C208-7F34-102AC430C11A}"/>
+              </a:ext>
+            </a:extLst>
+          </p:cNvPr>
+          <p:cNvSpPr txBox="1"/>
+          <p:nvPr/>
+        </p:nvSpPr>
+        <p:spPr>
+          <a:xfrm>
+            <a:off x="7470823" y="5051744"/>
+            <a:ext cx="990000" cy="584775"/>
+          </a:xfrm>
+          <a:prstGeom prst="rect">
+            <a:avLst/>
+          </a:prstGeom>
+          <a:noFill/>
+        </p:spPr>
+        <p:txBody>
+          <a:bodyPr wrap="square" rtlCol="0" anchor="ctr">
+            <a:spAutoFit/>
+          </a:bodyPr>
+          <a:lstStyle/>
+          <a:p>
+            <a:pPr algn="ctr"/>
+            <a:r>
+              <a:rPr lang="en-CA" sz="1600" b="1" dirty="0">
+                <a:latin typeface="Helvetica" pitchFamily="2" charset="0"/>
+              </a:rPr>
+              <a:t>High</a:t>
+            </a:r>
+          </a:p>
+          <a:p>
+            <a:pPr algn="ctr"/>
+            <a:r>
+              <a:rPr lang="en-CA" sz="1600" b="1" dirty="0">
+                <a:latin typeface="Helvetica" pitchFamily="2" charset="0"/>
+              </a:rPr>
+              <a:t>Punish</a:t>
+            </a:r>
           </a:p>
         </p:txBody>
       </p:sp>
